--- a/美术作品.pptx
+++ b/美术作品.pptx
@@ -9,6 +9,7 @@
     <p:sldId id="257" r:id="rId3"/>
     <p:sldId id="258" r:id="rId4"/>
     <p:sldId id="259" r:id="rId5"/>
+    <p:sldId id="260" r:id="rId6"/>
   </p:sldIdLst>
   <p:sldSz cx="12192000" cy="6858000"/>
   <p:notesSz cx="6858000" cy="9144000"/>
@@ -124,6 +125,211 @@
     </p:ext>
   </p:extLst>
 </p:presentation>
+</file>
+
+<file path=ppt/charts/chart1.xml><?xml version="1.0" encoding="utf-8"?>
+<c:chartSpace xmlns:c="http://schemas.openxmlformats.org/drawingml/2006/chart" xmlns:a="http://schemas.openxmlformats.org/drawingml/2006/main" xmlns:r="http://schemas.openxmlformats.org/officeDocument/2006/relationships" xmlns:c16r2="http://schemas.microsoft.com/office/drawing/2015/06/chart">
+  <c:date1904 val="0"/>
+  <c:lang val="zh-CN"/>
+  <c:roundedCorners val="1"/>
+  <mc:AlternateContent xmlns:mc="http://schemas.openxmlformats.org/markup-compatibility/2006">
+    <mc:Choice xmlns:c14="http://schemas.microsoft.com/office/drawing/2007/8/2/chart" Requires="c14">
+      <c14:style val="102"/>
+    </mc:Choice>
+    <mc:Fallback>
+      <c:style val="2"/>
+    </mc:Fallback>
+  </mc:AlternateContent>
+  <c:chart>
+    <c:autoTitleDeleted val="1"/>
+    <c:plotArea>
+      <c:layout/>
+      <c:barChart>
+        <c:barDir val="bar"/>
+        <c:grouping val="clustered"/>
+        <c:varyColors val="0"/>
+        <c:ser>
+          <c:idx val="0"/>
+          <c:order val="0"/>
+          <c:tx>
+            <c:strRef>
+              <c:f>Sheet1!$B$1</c:f>
+              <c:strCache>
+                <c:ptCount val="1"/>
+                <c:pt idx="0">
+                  <c:v>πₜ(vᵢ)</c:v>
+                </c:pt>
+              </c:strCache>
+            </c:strRef>
+          </c:tx>
+          <c:spPr>
+            <a:solidFill>
+              <a:srgbClr val="10B981"/>
+            </a:solidFill>
+            <a:effectLst/>
+          </c:spPr>
+          <c:invertIfNegative val="0"/>
+          <c:cat>
+            <c:strRef>
+              <c:f>Sheet1!$A$2:$A$4</c:f>
+              <c:strCache>
+                <c:ptCount val="3"/>
+                <c:pt idx="0">
+                  <c:v>v₁</c:v>
+                </c:pt>
+                <c:pt idx="1">
+                  <c:v>v₂</c:v>
+                </c:pt>
+                <c:pt idx="2">
+                  <c:v>v₃</c:v>
+                </c:pt>
+              </c:strCache>
+            </c:strRef>
+          </c:cat>
+          <c:val>
+            <c:numRef>
+              <c:f>Sheet1!$B$2:$B$4</c:f>
+              <c:numCache>
+                <c:formatCode>General</c:formatCode>
+                <c:ptCount val="3"/>
+                <c:pt idx="0">
+                  <c:v>0.51</c:v>
+                </c:pt>
+                <c:pt idx="1">
+                  <c:v>0.46</c:v>
+                </c:pt>
+                <c:pt idx="2">
+                  <c:v>0.03</c:v>
+                </c:pt>
+              </c:numCache>
+            </c:numRef>
+          </c:val>
+          <c:extLst>
+            <c:ext xmlns:c16="http://schemas.microsoft.com/office/drawing/2014/chart" uri="{C3380CC4-5D6E-409C-BE32-E72D297353CC}">
+              <c16:uniqueId val="{00000000-D842-44F3-978F-88D8758FB277}"/>
+            </c:ext>
+          </c:extLst>
+        </c:ser>
+        <c:dLbls>
+          <c:showLegendKey val="0"/>
+          <c:showVal val="0"/>
+          <c:showCatName val="0"/>
+          <c:showSerName val="0"/>
+          <c:showPercent val="0"/>
+          <c:showBubbleSize val="0"/>
+        </c:dLbls>
+        <c:gapWidth val="150"/>
+        <c:axId val="2094734554"/>
+        <c:axId val="2094734552"/>
+      </c:barChart>
+      <c:catAx>
+        <c:axId val="2094734554"/>
+        <c:scaling>
+          <c:orientation val="minMax"/>
+        </c:scaling>
+        <c:delete val="0"/>
+        <c:axPos val="l"/>
+        <c:numFmt formatCode="General" sourceLinked="1"/>
+        <c:majorTickMark val="out"/>
+        <c:minorTickMark val="none"/>
+        <c:tickLblPos val="nextTo"/>
+        <c:spPr>
+          <a:ln w="12700" cap="flat">
+            <a:solidFill>
+              <a:srgbClr val="888888"/>
+            </a:solidFill>
+            <a:prstDash val="solid"/>
+            <a:round/>
+          </a:ln>
+        </c:spPr>
+        <c:crossAx val="2094734552"/>
+        <c:crosses val="autoZero"/>
+        <c:auto val="1"/>
+        <c:lblAlgn val="ctr"/>
+        <c:lblOffset val="100"/>
+        <c:noMultiLvlLbl val="1"/>
+      </c:catAx>
+      <c:valAx>
+        <c:axId val="2094734552"/>
+        <c:scaling>
+          <c:orientation val="minMax"/>
+          <c:max val="0.6"/>
+          <c:min val="0"/>
+        </c:scaling>
+        <c:delete val="0"/>
+        <c:axPos val="b"/>
+        <c:majorGridlines>
+          <c:spPr>
+            <a:ln w="12700" cap="flat">
+              <a:solidFill>
+                <a:srgbClr val="E5E7EB"/>
+              </a:solidFill>
+              <a:prstDash val="solid"/>
+              <a:round/>
+            </a:ln>
+          </c:spPr>
+        </c:majorGridlines>
+        <c:numFmt formatCode="General" sourceLinked="0"/>
+        <c:majorTickMark val="out"/>
+        <c:minorTickMark val="none"/>
+        <c:tickLblPos val="low"/>
+        <c:spPr>
+          <a:ln w="12700" cap="flat">
+            <a:solidFill>
+              <a:srgbClr val="888888"/>
+            </a:solidFill>
+            <a:prstDash val="solid"/>
+            <a:round/>
+          </a:ln>
+        </c:spPr>
+        <c:crossAx val="2094734554"/>
+        <c:crosses val="autoZero"/>
+        <c:crossBetween val="between"/>
+      </c:valAx>
+      <c:spPr>
+        <a:solidFill>
+          <a:srgbClr val="FFFFFF"/>
+        </a:solidFill>
+        <a:ln w="12700" cap="flat">
+          <a:solidFill>
+            <a:srgbClr val="E5E7EB"/>
+          </a:solidFill>
+        </a:ln>
+        <a:effectLst/>
+      </c:spPr>
+    </c:plotArea>
+    <c:plotVisOnly val="1"/>
+    <c:dispBlanksAs val="span"/>
+    <c:showDLblsOverMax val="1"/>
+  </c:chart>
+  <c:spPr>
+    <a:noFill/>
+    <a:ln>
+      <a:noFill/>
+    </a:ln>
+    <a:effectLst/>
+  </c:spPr>
+  <c:txPr>
+    <a:bodyPr/>
+    <a:lstStyle/>
+    <a:p>
+      <a:pPr marL="0" algn="ctr" defTabSz="914400" rtl="0" eaLnBrk="1" latinLnBrk="0" hangingPunct="1">
+        <a:defRPr lang="en-US" altLang="zh-CN" sz="1800" kern="1200">
+          <a:solidFill>
+            <a:schemeClr val="dk1"/>
+          </a:solidFill>
+          <a:latin typeface="+mn-lt"/>
+          <a:ea typeface="+mn-ea"/>
+          <a:cs typeface="+mn-cs"/>
+        </a:defRPr>
+      </a:pPr>
+      <a:endParaRPr lang="zh-CN"/>
+    </a:p>
+  </c:txPr>
+  <c:externalData r:id="rId1">
+    <c:autoUpdate val="0"/>
+  </c:externalData>
+</c:chartSpace>
 </file>
 
 <file path=ppt/slideLayouts/slideLayout1.xml><?xml version="1.0" encoding="utf-8"?>
@@ -8656,7 +8862,7 @@
         </p:nvGrpSpPr>
         <p:grpSpPr>
           <a:xfrm>
-            <a:off x="934588" y="4494528"/>
+            <a:off x="692251" y="4999200"/>
             <a:ext cx="3361606" cy="1083275"/>
             <a:chOff x="8508697" y="5161222"/>
             <a:chExt cx="3361606" cy="1083275"/>
@@ -9340,8 +9546,8 @@
         </p:nvSpPr>
         <p:spPr>
           <a:xfrm>
-            <a:off x="6398043" y="2766310"/>
-            <a:ext cx="6100354" cy="369332"/>
+            <a:off x="8810873" y="2801262"/>
+            <a:ext cx="1252571" cy="369332"/>
           </a:xfrm>
           <a:prstGeom prst="rect">
             <a:avLst/>
@@ -10134,10 +10340,1228 @@
           </a:fontRef>
         </p:style>
       </p:cxnSp>
+      <p:sp>
+        <p:nvSpPr>
+          <p:cNvPr id="179" name="Text 2">
+            <a:extLst>
+              <a:ext uri="{FF2B5EF4-FFF2-40B4-BE49-F238E27FC236}">
+                <a16:creationId xmlns:a16="http://schemas.microsoft.com/office/drawing/2014/main" id="{26FE387D-B03C-CD93-71BF-8DDB721E723D}"/>
+              </a:ext>
+            </a:extLst>
+          </p:cNvPr>
+          <p:cNvSpPr/>
+          <p:nvPr/>
+        </p:nvSpPr>
+        <p:spPr>
+          <a:xfrm>
+            <a:off x="7231660" y="5472186"/>
+            <a:ext cx="1074420" cy="398221"/>
+          </a:xfrm>
+          <a:prstGeom prst="rect">
+            <a:avLst/>
+          </a:prstGeom>
+          <a:noFill/>
+          <a:ln/>
+        </p:spPr>
+        <p:txBody>
+          <a:bodyPr wrap="square" rtlCol="0" anchor="ctr"/>
+          <a:lstStyle>
+            <a:lvl1pPr marL="0" algn="l" defTabSz="914400" rtl="0" eaLnBrk="1" latinLnBrk="0" hangingPunct="1">
+              <a:defRPr sz="1800" kern="1200">
+                <a:solidFill>
+                  <a:schemeClr val="tx1"/>
+                </a:solidFill>
+                <a:latin typeface="+mn-lt"/>
+                <a:ea typeface="+mn-ea"/>
+                <a:cs typeface="+mn-cs"/>
+              </a:defRPr>
+            </a:lvl1pPr>
+            <a:lvl2pPr marL="457200" algn="l" defTabSz="914400" rtl="0" eaLnBrk="1" latinLnBrk="0" hangingPunct="1">
+              <a:defRPr sz="1800" kern="1200">
+                <a:solidFill>
+                  <a:schemeClr val="tx1"/>
+                </a:solidFill>
+                <a:latin typeface="+mn-lt"/>
+                <a:ea typeface="+mn-ea"/>
+                <a:cs typeface="+mn-cs"/>
+              </a:defRPr>
+            </a:lvl2pPr>
+            <a:lvl3pPr marL="914400" algn="l" defTabSz="914400" rtl="0" eaLnBrk="1" latinLnBrk="0" hangingPunct="1">
+              <a:defRPr sz="1800" kern="1200">
+                <a:solidFill>
+                  <a:schemeClr val="tx1"/>
+                </a:solidFill>
+                <a:latin typeface="+mn-lt"/>
+                <a:ea typeface="+mn-ea"/>
+                <a:cs typeface="+mn-cs"/>
+              </a:defRPr>
+            </a:lvl3pPr>
+            <a:lvl4pPr marL="1371600" algn="l" defTabSz="914400" rtl="0" eaLnBrk="1" latinLnBrk="0" hangingPunct="1">
+              <a:defRPr sz="1800" kern="1200">
+                <a:solidFill>
+                  <a:schemeClr val="tx1"/>
+                </a:solidFill>
+                <a:latin typeface="+mn-lt"/>
+                <a:ea typeface="+mn-ea"/>
+                <a:cs typeface="+mn-cs"/>
+              </a:defRPr>
+            </a:lvl4pPr>
+            <a:lvl5pPr marL="1828800" algn="l" defTabSz="914400" rtl="0" eaLnBrk="1" latinLnBrk="0" hangingPunct="1">
+              <a:defRPr sz="1800" kern="1200">
+                <a:solidFill>
+                  <a:schemeClr val="tx1"/>
+                </a:solidFill>
+                <a:latin typeface="+mn-lt"/>
+                <a:ea typeface="+mn-ea"/>
+                <a:cs typeface="+mn-cs"/>
+              </a:defRPr>
+            </a:lvl5pPr>
+            <a:lvl6pPr marL="2286000" algn="l" defTabSz="914400" rtl="0" eaLnBrk="1" latinLnBrk="0" hangingPunct="1">
+              <a:defRPr sz="1800" kern="1200">
+                <a:solidFill>
+                  <a:schemeClr val="tx1"/>
+                </a:solidFill>
+                <a:latin typeface="+mn-lt"/>
+                <a:ea typeface="+mn-ea"/>
+                <a:cs typeface="+mn-cs"/>
+              </a:defRPr>
+            </a:lvl6pPr>
+            <a:lvl7pPr marL="2743200" algn="l" defTabSz="914400" rtl="0" eaLnBrk="1" latinLnBrk="0" hangingPunct="1">
+              <a:defRPr sz="1800" kern="1200">
+                <a:solidFill>
+                  <a:schemeClr val="tx1"/>
+                </a:solidFill>
+                <a:latin typeface="+mn-lt"/>
+                <a:ea typeface="+mn-ea"/>
+                <a:cs typeface="+mn-cs"/>
+              </a:defRPr>
+            </a:lvl7pPr>
+            <a:lvl8pPr marL="3200400" algn="l" defTabSz="914400" rtl="0" eaLnBrk="1" latinLnBrk="0" hangingPunct="1">
+              <a:defRPr sz="1800" kern="1200">
+                <a:solidFill>
+                  <a:schemeClr val="tx1"/>
+                </a:solidFill>
+                <a:latin typeface="+mn-lt"/>
+                <a:ea typeface="+mn-ea"/>
+                <a:cs typeface="+mn-cs"/>
+              </a:defRPr>
+            </a:lvl8pPr>
+            <a:lvl9pPr marL="3657600" algn="l" defTabSz="914400" rtl="0" eaLnBrk="1" latinLnBrk="0" hangingPunct="1">
+              <a:defRPr sz="1800" kern="1200">
+                <a:solidFill>
+                  <a:schemeClr val="tx1"/>
+                </a:solidFill>
+                <a:latin typeface="+mn-lt"/>
+                <a:ea typeface="+mn-ea"/>
+                <a:cs typeface="+mn-cs"/>
+              </a:defRPr>
+            </a:lvl9pPr>
+          </a:lstStyle>
+          <a:p>
+            <a:pPr indent="0" algn="ctr">
+              <a:buNone/>
+            </a:pPr>
+            <a:r>
+              <a:rPr lang="en-US" dirty="0">
+                <a:solidFill>
+                  <a:schemeClr val="dk1"/>
+                </a:solidFill>
+              </a:rPr>
+              <a:t>events</a:t>
+            </a:r>
+          </a:p>
+        </p:txBody>
+      </p:sp>
+      <p:cxnSp>
+        <p:nvCxnSpPr>
+          <p:cNvPr id="181" name="连接符: 肘形 180">
+            <a:extLst>
+              <a:ext uri="{FF2B5EF4-FFF2-40B4-BE49-F238E27FC236}">
+                <a16:creationId xmlns:a16="http://schemas.microsoft.com/office/drawing/2014/main" id="{2F4DC391-A4D0-5704-7E40-FF4310CA44F6}"/>
+              </a:ext>
+            </a:extLst>
+          </p:cNvPr>
+          <p:cNvCxnSpPr>
+            <a:cxnSpLocks/>
+          </p:cNvCxnSpPr>
+          <p:nvPr/>
+        </p:nvCxnSpPr>
+        <p:spPr>
+          <a:xfrm>
+            <a:off x="4410931" y="4281934"/>
+            <a:ext cx="6893572" cy="313810"/>
+          </a:xfrm>
+          <a:prstGeom prst="bentConnector4">
+            <a:avLst>
+              <a:gd name="adj1" fmla="val 234"/>
+              <a:gd name="adj2" fmla="val 608539"/>
+            </a:avLst>
+          </a:prstGeom>
+          <a:ln w="38100">
+            <a:solidFill>
+              <a:schemeClr val="accent1"/>
+            </a:solidFill>
+            <a:tailEnd type="triangle"/>
+          </a:ln>
+        </p:spPr>
+        <p:style>
+          <a:lnRef idx="1">
+            <a:schemeClr val="dk1"/>
+          </a:lnRef>
+          <a:fillRef idx="0">
+            <a:schemeClr val="dk1"/>
+          </a:fillRef>
+          <a:effectRef idx="0">
+            <a:schemeClr val="dk1"/>
+          </a:effectRef>
+          <a:fontRef idx="minor">
+            <a:schemeClr val="tx1"/>
+          </a:fontRef>
+        </p:style>
+      </p:cxnSp>
+      <p:sp>
+        <p:nvSpPr>
+          <p:cNvPr id="192" name="Text 2">
+            <a:extLst>
+              <a:ext uri="{FF2B5EF4-FFF2-40B4-BE49-F238E27FC236}">
+                <a16:creationId xmlns:a16="http://schemas.microsoft.com/office/drawing/2014/main" id="{10257C9B-6124-6ABB-FF34-A6307B8E7807}"/>
+              </a:ext>
+            </a:extLst>
+          </p:cNvPr>
+          <p:cNvSpPr/>
+          <p:nvPr/>
+        </p:nvSpPr>
+        <p:spPr>
+          <a:xfrm>
+            <a:off x="7405181" y="6139445"/>
+            <a:ext cx="1074420" cy="398221"/>
+          </a:xfrm>
+          <a:prstGeom prst="rect">
+            <a:avLst/>
+          </a:prstGeom>
+          <a:noFill/>
+          <a:ln/>
+        </p:spPr>
+        <p:txBody>
+          <a:bodyPr wrap="square" rtlCol="0" anchor="ctr"/>
+          <a:lstStyle>
+            <a:lvl1pPr marL="0" algn="l" defTabSz="914400" rtl="0" eaLnBrk="1" latinLnBrk="0" hangingPunct="1">
+              <a:defRPr sz="1800" kern="1200">
+                <a:solidFill>
+                  <a:schemeClr val="tx1"/>
+                </a:solidFill>
+                <a:latin typeface="+mn-lt"/>
+                <a:ea typeface="+mn-ea"/>
+                <a:cs typeface="+mn-cs"/>
+              </a:defRPr>
+            </a:lvl1pPr>
+            <a:lvl2pPr marL="457200" algn="l" defTabSz="914400" rtl="0" eaLnBrk="1" latinLnBrk="0" hangingPunct="1">
+              <a:defRPr sz="1800" kern="1200">
+                <a:solidFill>
+                  <a:schemeClr val="tx1"/>
+                </a:solidFill>
+                <a:latin typeface="+mn-lt"/>
+                <a:ea typeface="+mn-ea"/>
+                <a:cs typeface="+mn-cs"/>
+              </a:defRPr>
+            </a:lvl2pPr>
+            <a:lvl3pPr marL="914400" algn="l" defTabSz="914400" rtl="0" eaLnBrk="1" latinLnBrk="0" hangingPunct="1">
+              <a:defRPr sz="1800" kern="1200">
+                <a:solidFill>
+                  <a:schemeClr val="tx1"/>
+                </a:solidFill>
+                <a:latin typeface="+mn-lt"/>
+                <a:ea typeface="+mn-ea"/>
+                <a:cs typeface="+mn-cs"/>
+              </a:defRPr>
+            </a:lvl3pPr>
+            <a:lvl4pPr marL="1371600" algn="l" defTabSz="914400" rtl="0" eaLnBrk="1" latinLnBrk="0" hangingPunct="1">
+              <a:defRPr sz="1800" kern="1200">
+                <a:solidFill>
+                  <a:schemeClr val="tx1"/>
+                </a:solidFill>
+                <a:latin typeface="+mn-lt"/>
+                <a:ea typeface="+mn-ea"/>
+                <a:cs typeface="+mn-cs"/>
+              </a:defRPr>
+            </a:lvl4pPr>
+            <a:lvl5pPr marL="1828800" algn="l" defTabSz="914400" rtl="0" eaLnBrk="1" latinLnBrk="0" hangingPunct="1">
+              <a:defRPr sz="1800" kern="1200">
+                <a:solidFill>
+                  <a:schemeClr val="tx1"/>
+                </a:solidFill>
+                <a:latin typeface="+mn-lt"/>
+                <a:ea typeface="+mn-ea"/>
+                <a:cs typeface="+mn-cs"/>
+              </a:defRPr>
+            </a:lvl5pPr>
+            <a:lvl6pPr marL="2286000" algn="l" defTabSz="914400" rtl="0" eaLnBrk="1" latinLnBrk="0" hangingPunct="1">
+              <a:defRPr sz="1800" kern="1200">
+                <a:solidFill>
+                  <a:schemeClr val="tx1"/>
+                </a:solidFill>
+                <a:latin typeface="+mn-lt"/>
+                <a:ea typeface="+mn-ea"/>
+                <a:cs typeface="+mn-cs"/>
+              </a:defRPr>
+            </a:lvl6pPr>
+            <a:lvl7pPr marL="2743200" algn="l" defTabSz="914400" rtl="0" eaLnBrk="1" latinLnBrk="0" hangingPunct="1">
+              <a:defRPr sz="1800" kern="1200">
+                <a:solidFill>
+                  <a:schemeClr val="tx1"/>
+                </a:solidFill>
+                <a:latin typeface="+mn-lt"/>
+                <a:ea typeface="+mn-ea"/>
+                <a:cs typeface="+mn-cs"/>
+              </a:defRPr>
+            </a:lvl7pPr>
+            <a:lvl8pPr marL="3200400" algn="l" defTabSz="914400" rtl="0" eaLnBrk="1" latinLnBrk="0" hangingPunct="1">
+              <a:defRPr sz="1800" kern="1200">
+                <a:solidFill>
+                  <a:schemeClr val="tx1"/>
+                </a:solidFill>
+                <a:latin typeface="+mn-lt"/>
+                <a:ea typeface="+mn-ea"/>
+                <a:cs typeface="+mn-cs"/>
+              </a:defRPr>
+            </a:lvl8pPr>
+            <a:lvl9pPr marL="3657600" algn="l" defTabSz="914400" rtl="0" eaLnBrk="1" latinLnBrk="0" hangingPunct="1">
+              <a:defRPr sz="1800" kern="1200">
+                <a:solidFill>
+                  <a:schemeClr val="tx1"/>
+                </a:solidFill>
+                <a:latin typeface="+mn-lt"/>
+                <a:ea typeface="+mn-ea"/>
+                <a:cs typeface="+mn-cs"/>
+              </a:defRPr>
+            </a:lvl9pPr>
+          </a:lstStyle>
+          <a:p>
+            <a:pPr indent="0" algn="ctr">
+              <a:buNone/>
+            </a:pPr>
+            <a:r>
+              <a:rPr lang="en-US" dirty="0">
+                <a:solidFill>
+                  <a:schemeClr val="dk1"/>
+                </a:solidFill>
+              </a:rPr>
+              <a:t>squash</a:t>
+            </a:r>
+          </a:p>
+        </p:txBody>
+      </p:sp>
     </p:spTree>
     <p:extLst>
       <p:ext uri="{BB962C8B-B14F-4D97-AF65-F5344CB8AC3E}">
         <p14:creationId xmlns:p14="http://schemas.microsoft.com/office/powerpoint/2010/main" val="3842935109"/>
+      </p:ext>
+    </p:extLst>
+  </p:cSld>
+  <p:clrMapOvr>
+    <a:masterClrMapping/>
+  </p:clrMapOvr>
+</p:sld>
+</file>
+
+<file path=ppt/slides/slide5.xml><?xml version="1.0" encoding="utf-8"?>
+<p:sld xmlns:a="http://schemas.openxmlformats.org/drawingml/2006/main" xmlns:r="http://schemas.openxmlformats.org/officeDocument/2006/relationships" xmlns:p="http://schemas.openxmlformats.org/presentationml/2006/main">
+  <p:cSld>
+    <p:spTree>
+      <p:nvGrpSpPr>
+        <p:cNvPr id="1" name=""/>
+        <p:cNvGrpSpPr/>
+        <p:nvPr/>
+      </p:nvGrpSpPr>
+      <p:grpSpPr>
+        <a:xfrm>
+          <a:off x="0" y="0"/>
+          <a:ext cx="0" cy="0"/>
+          <a:chOff x="0" y="0"/>
+          <a:chExt cx="0" cy="0"/>
+        </a:xfrm>
+      </p:grpSpPr>
+      <p:graphicFrame>
+        <p:nvGraphicFramePr>
+          <p:cNvPr id="2" name="Chart 0">
+            <a:extLst>
+              <a:ext uri="{FF2B5EF4-FFF2-40B4-BE49-F238E27FC236}">
+                <a16:creationId xmlns:a16="http://schemas.microsoft.com/office/drawing/2014/main" id="{61A01840-B520-69D3-44DD-1446CCDD15E2}"/>
+              </a:ext>
+            </a:extLst>
+          </p:cNvPr>
+          <p:cNvGraphicFramePr/>
+          <p:nvPr>
+            <p:extLst>
+              <p:ext uri="{D42A27DB-BD31-4B8C-83A1-F6EECF244321}">
+                <p14:modId xmlns:p14="http://schemas.microsoft.com/office/powerpoint/2010/main" val="1745114330"/>
+              </p:ext>
+            </p:extLst>
+          </p:nvPr>
+        </p:nvGraphicFramePr>
+        <p:xfrm>
+          <a:off x="822960" y="1417320"/>
+          <a:ext cx="5532120" cy="3429000"/>
+        </p:xfrm>
+        <a:graphic>
+          <a:graphicData uri="http://schemas.openxmlformats.org/drawingml/2006/chart">
+            <c:chart xmlns:c="http://schemas.openxmlformats.org/drawingml/2006/chart" xmlns:r="http://schemas.openxmlformats.org/officeDocument/2006/relationships" r:id="rId2"/>
+          </a:graphicData>
+        </a:graphic>
+      </p:graphicFrame>
+      <p:sp>
+        <p:nvSpPr>
+          <p:cNvPr id="3" name="Shape 5">
+            <a:extLst>
+              <a:ext uri="{FF2B5EF4-FFF2-40B4-BE49-F238E27FC236}">
+                <a16:creationId xmlns:a16="http://schemas.microsoft.com/office/drawing/2014/main" id="{1EB9378F-EA02-191C-D076-250E6C6C726B}"/>
+              </a:ext>
+            </a:extLst>
+          </p:cNvPr>
+          <p:cNvSpPr/>
+          <p:nvPr/>
+        </p:nvSpPr>
+        <p:spPr>
+          <a:xfrm>
+            <a:off x="4871369" y="1554480"/>
+            <a:ext cx="0" cy="2971800"/>
+          </a:xfrm>
+          <a:prstGeom prst="line">
+            <a:avLst/>
+          </a:prstGeom>
+          <a:noFill/>
+          <a:ln w="25400">
+            <a:solidFill>
+              <a:srgbClr val="DC2626"/>
+            </a:solidFill>
+            <a:prstDash val="solid"/>
+          </a:ln>
+        </p:spPr>
+      </p:sp>
+      <p:sp>
+        <p:nvSpPr>
+          <p:cNvPr id="4" name="Text 6">
+            <a:extLst>
+              <a:ext uri="{FF2B5EF4-FFF2-40B4-BE49-F238E27FC236}">
+                <a16:creationId xmlns:a16="http://schemas.microsoft.com/office/drawing/2014/main" id="{D90B8D69-79BD-8A3B-42E1-7B343668CBBA}"/>
+              </a:ext>
+            </a:extLst>
+          </p:cNvPr>
+          <p:cNvSpPr/>
+          <p:nvPr/>
+        </p:nvSpPr>
+        <p:spPr>
+          <a:xfrm>
+            <a:off x="4569811" y="1211580"/>
+            <a:ext cx="1399719" cy="274320"/>
+          </a:xfrm>
+          <a:prstGeom prst="rect">
+            <a:avLst/>
+          </a:prstGeom>
+          <a:noFill/>
+          <a:ln/>
+        </p:spPr>
+        <p:txBody>
+          <a:bodyPr wrap="square" rtlCol="0" anchor="ctr"/>
+          <a:lstStyle/>
+          <a:p>
+            <a:pPr marL="0" indent="0">
+              <a:buNone/>
+            </a:pPr>
+            <a:r>
+              <a:rPr lang="en-US" b="1" dirty="0">
+                <a:solidFill>
+                  <a:srgbClr val="DC2626"/>
+                </a:solidFill>
+                <a:latin typeface="Microsoft YaHei" pitchFamily="34" charset="0"/>
+                <a:ea typeface="Microsoft YaHei" pitchFamily="34" charset="-122"/>
+                <a:cs typeface="Microsoft YaHei" pitchFamily="34" charset="-120"/>
+              </a:rPr>
+              <a:t>τ = 0.45</a:t>
+            </a:r>
+            <a:endParaRPr lang="en-US" dirty="0"/>
+          </a:p>
+        </p:txBody>
+      </p:sp>
+      <p:sp>
+        <p:nvSpPr>
+          <p:cNvPr id="8" name="Text 4">
+            <a:extLst>
+              <a:ext uri="{FF2B5EF4-FFF2-40B4-BE49-F238E27FC236}">
+                <a16:creationId xmlns:a16="http://schemas.microsoft.com/office/drawing/2014/main" id="{C3EB4318-34CB-5560-6707-1F30F530D923}"/>
+              </a:ext>
+            </a:extLst>
+          </p:cNvPr>
+          <p:cNvSpPr/>
+          <p:nvPr/>
+        </p:nvSpPr>
+        <p:spPr>
+          <a:xfrm>
+            <a:off x="7526968" y="1534053"/>
+            <a:ext cx="2895535" cy="320040"/>
+          </a:xfrm>
+          <a:prstGeom prst="rect">
+            <a:avLst/>
+          </a:prstGeom>
+          <a:noFill/>
+          <a:ln/>
+        </p:spPr>
+        <p:txBody>
+          <a:bodyPr wrap="square" rtlCol="0" anchor="ctr"/>
+          <a:lstStyle/>
+          <a:p>
+            <a:pPr marL="0" indent="0">
+              <a:buNone/>
+            </a:pPr>
+            <a:r>
+              <a:rPr lang="en-US" sz="1400" b="1" dirty="0">
+                <a:solidFill>
+                  <a:srgbClr val="111827"/>
+                </a:solidFill>
+                <a:latin typeface="Microsoft YaHei" pitchFamily="34" charset="0"/>
+                <a:ea typeface="Microsoft YaHei" pitchFamily="34" charset="-122"/>
+                <a:cs typeface="Microsoft YaHei" pitchFamily="34" charset="-120"/>
+              </a:rPr>
+              <a:t>Top-1 vs </a:t>
+            </a:r>
+            <a:r>
+              <a:rPr lang="en-US" sz="1400" b="1" dirty="0" err="1">
+                <a:solidFill>
+                  <a:srgbClr val="111827"/>
+                </a:solidFill>
+                <a:latin typeface="Microsoft YaHei" pitchFamily="34" charset="0"/>
+                <a:ea typeface="Microsoft YaHei" pitchFamily="34" charset="-122"/>
+                <a:cs typeface="Microsoft YaHei" pitchFamily="34" charset="-120"/>
+              </a:rPr>
+              <a:t>N-way（τ-</a:t>
+            </a:r>
+            <a:r>
+              <a:rPr lang="en-US" altLang="zh-CN" sz="1400" b="1" dirty="0" err="1">
+                <a:solidFill>
+                  <a:srgbClr val="111827"/>
+                </a:solidFill>
+                <a:latin typeface="Microsoft YaHei" pitchFamily="34" charset="0"/>
+                <a:ea typeface="Microsoft YaHei" pitchFamily="34" charset="-122"/>
+                <a:cs typeface="Microsoft YaHei" pitchFamily="34" charset="-120"/>
+              </a:rPr>
+              <a:t>gating</a:t>
+            </a:r>
+            <a:r>
+              <a:rPr lang="en-US" sz="1400" b="1" dirty="0">
+                <a:solidFill>
+                  <a:srgbClr val="111827"/>
+                </a:solidFill>
+                <a:latin typeface="Microsoft YaHei" pitchFamily="34" charset="0"/>
+                <a:ea typeface="Microsoft YaHei" pitchFamily="34" charset="-122"/>
+                <a:cs typeface="Microsoft YaHei" pitchFamily="34" charset="-120"/>
+              </a:rPr>
+              <a:t>）</a:t>
+            </a:r>
+            <a:endParaRPr lang="en-US" sz="1400" dirty="0"/>
+          </a:p>
+        </p:txBody>
+      </p:sp>
+      <p:sp>
+        <p:nvSpPr>
+          <p:cNvPr id="9" name="Shape 16">
+            <a:extLst>
+              <a:ext uri="{FF2B5EF4-FFF2-40B4-BE49-F238E27FC236}">
+                <a16:creationId xmlns:a16="http://schemas.microsoft.com/office/drawing/2014/main" id="{2BAB625A-72E3-EFB5-CE20-55062E23DEEF}"/>
+              </a:ext>
+            </a:extLst>
+          </p:cNvPr>
+          <p:cNvSpPr/>
+          <p:nvPr/>
+        </p:nvSpPr>
+        <p:spPr>
+          <a:xfrm>
+            <a:off x="6277256" y="2962697"/>
+            <a:ext cx="914400" cy="502920"/>
+          </a:xfrm>
+          <a:prstGeom prst="roundRect">
+            <a:avLst/>
+          </a:prstGeom>
+          <a:solidFill>
+            <a:srgbClr val="EEF2FF"/>
+          </a:solidFill>
+          <a:ln w="25400">
+            <a:solidFill>
+              <a:srgbClr val="4F46E5"/>
+            </a:solidFill>
+            <a:prstDash val="solid"/>
+          </a:ln>
+        </p:spPr>
+      </p:sp>
+      <p:sp>
+        <p:nvSpPr>
+          <p:cNvPr id="10" name="Text 17">
+            <a:extLst>
+              <a:ext uri="{FF2B5EF4-FFF2-40B4-BE49-F238E27FC236}">
+                <a16:creationId xmlns:a16="http://schemas.microsoft.com/office/drawing/2014/main" id="{D35F8255-C4AB-0E0D-4BFB-A8F50E282D64}"/>
+              </a:ext>
+            </a:extLst>
+          </p:cNvPr>
+          <p:cNvSpPr/>
+          <p:nvPr/>
+        </p:nvSpPr>
+        <p:spPr>
+          <a:xfrm>
+            <a:off x="6277256" y="3001413"/>
+            <a:ext cx="914400" cy="457200"/>
+          </a:xfrm>
+          <a:prstGeom prst="rect">
+            <a:avLst/>
+          </a:prstGeom>
+          <a:noFill/>
+          <a:ln/>
+        </p:spPr>
+        <p:txBody>
+          <a:bodyPr wrap="square" rtlCol="0" anchor="ctr"/>
+          <a:lstStyle/>
+          <a:p>
+            <a:pPr marL="0" indent="0" algn="ctr">
+              <a:buNone/>
+            </a:pPr>
+            <a:r>
+              <a:rPr lang="en-US" sz="1800" b="1" dirty="0">
+                <a:solidFill>
+                  <a:srgbClr val="3730A3"/>
+                </a:solidFill>
+                <a:latin typeface="Microsoft YaHei" pitchFamily="34" charset="0"/>
+                <a:ea typeface="Microsoft YaHei" pitchFamily="34" charset="-122"/>
+                <a:cs typeface="Microsoft YaHei" pitchFamily="34" charset="-120"/>
+              </a:rPr>
+              <a:t>b</a:t>
+            </a:r>
+            <a:endParaRPr lang="en-US" sz="1800" dirty="0"/>
+          </a:p>
+        </p:txBody>
+      </p:sp>
+      <p:sp>
+        <p:nvSpPr>
+          <p:cNvPr id="11" name="Shape 18">
+            <a:extLst>
+              <a:ext uri="{FF2B5EF4-FFF2-40B4-BE49-F238E27FC236}">
+                <a16:creationId xmlns:a16="http://schemas.microsoft.com/office/drawing/2014/main" id="{42471E2C-3D6B-178C-FC89-307413106237}"/>
+              </a:ext>
+            </a:extLst>
+          </p:cNvPr>
+          <p:cNvSpPr/>
+          <p:nvPr/>
+        </p:nvSpPr>
+        <p:spPr>
+          <a:xfrm flipV="1">
+            <a:off x="7234458" y="2249465"/>
+            <a:ext cx="2288918" cy="934194"/>
+          </a:xfrm>
+          <a:prstGeom prst="line">
+            <a:avLst/>
+          </a:prstGeom>
+          <a:noFill/>
+          <a:ln w="31750">
+            <a:solidFill>
+              <a:srgbClr val="16A34A"/>
+            </a:solidFill>
+            <a:prstDash val="solid"/>
+          </a:ln>
+        </p:spPr>
+      </p:sp>
+      <p:sp>
+        <p:nvSpPr>
+          <p:cNvPr id="12" name="Text 19">
+            <a:extLst>
+              <a:ext uri="{FF2B5EF4-FFF2-40B4-BE49-F238E27FC236}">
+                <a16:creationId xmlns:a16="http://schemas.microsoft.com/office/drawing/2014/main" id="{A668AEC9-416B-581E-E9A7-BF8B8F1D1061}"/>
+              </a:ext>
+            </a:extLst>
+          </p:cNvPr>
+          <p:cNvSpPr/>
+          <p:nvPr/>
+        </p:nvSpPr>
+        <p:spPr>
+          <a:xfrm>
+            <a:off x="10568322" y="2297129"/>
+            <a:ext cx="1048642" cy="320040"/>
+          </a:xfrm>
+          <a:prstGeom prst="rect">
+            <a:avLst/>
+          </a:prstGeom>
+          <a:noFill/>
+          <a:ln/>
+        </p:spPr>
+        <p:txBody>
+          <a:bodyPr wrap="square" rtlCol="0" anchor="ctr"/>
+          <a:lstStyle/>
+          <a:p>
+            <a:pPr marL="0" indent="0">
+              <a:buNone/>
+            </a:pPr>
+            <a:r>
+              <a:rPr lang="en-US" sz="1200" b="1" dirty="0">
+                <a:latin typeface="Microsoft YaHei" pitchFamily="34" charset="0"/>
+                <a:ea typeface="Microsoft YaHei" pitchFamily="34" charset="-122"/>
+                <a:cs typeface="Microsoft YaHei" pitchFamily="34" charset="-120"/>
+              </a:rPr>
+              <a:t>πₜ(v₁)=0.51</a:t>
+            </a:r>
+            <a:endParaRPr lang="en-US" sz="1200" dirty="0"/>
+          </a:p>
+        </p:txBody>
+      </p:sp>
+      <p:grpSp>
+        <p:nvGrpSpPr>
+          <p:cNvPr id="57" name="组合 56">
+            <a:extLst>
+              <a:ext uri="{FF2B5EF4-FFF2-40B4-BE49-F238E27FC236}">
+                <a16:creationId xmlns:a16="http://schemas.microsoft.com/office/drawing/2014/main" id="{E7A1E536-6BA5-184E-02CB-94B8EAA610C9}"/>
+              </a:ext>
+            </a:extLst>
+          </p:cNvPr>
+          <p:cNvGrpSpPr/>
+          <p:nvPr/>
+        </p:nvGrpSpPr>
+        <p:grpSpPr>
+          <a:xfrm>
+            <a:off x="9523376" y="2237693"/>
+            <a:ext cx="1051560" cy="424905"/>
+            <a:chOff x="10241280" y="1852146"/>
+            <a:chExt cx="1051560" cy="424905"/>
+          </a:xfrm>
+        </p:grpSpPr>
+        <p:sp>
+          <p:nvSpPr>
+            <p:cNvPr id="13" name="Shape 20">
+              <a:extLst>
+                <a:ext uri="{FF2B5EF4-FFF2-40B4-BE49-F238E27FC236}">
+                  <a16:creationId xmlns:a16="http://schemas.microsoft.com/office/drawing/2014/main" id="{93F5E2FC-D010-1B55-C85B-011E54A8C1D1}"/>
+                </a:ext>
+              </a:extLst>
+            </p:cNvPr>
+            <p:cNvSpPr/>
+            <p:nvPr/>
+          </p:nvSpPr>
+          <p:spPr>
+            <a:xfrm>
+              <a:off x="10241280" y="1865571"/>
+              <a:ext cx="1051560" cy="411480"/>
+            </a:xfrm>
+            <a:prstGeom prst="roundRect">
+              <a:avLst/>
+            </a:prstGeom>
+            <a:solidFill>
+              <a:srgbClr val="ECFDF5"/>
+            </a:solidFill>
+            <a:ln w="31750">
+              <a:solidFill>
+                <a:srgbClr val="16A34A"/>
+              </a:solidFill>
+              <a:prstDash val="solid"/>
+            </a:ln>
+          </p:spPr>
+        </p:sp>
+        <p:sp>
+          <p:nvSpPr>
+            <p:cNvPr id="14" name="Text 21">
+              <a:extLst>
+                <a:ext uri="{FF2B5EF4-FFF2-40B4-BE49-F238E27FC236}">
+                  <a16:creationId xmlns:a16="http://schemas.microsoft.com/office/drawing/2014/main" id="{9558FC31-DB3F-9AAD-04A0-05292E4C9E0D}"/>
+                </a:ext>
+              </a:extLst>
+            </p:cNvPr>
+            <p:cNvSpPr/>
+            <p:nvPr/>
+          </p:nvSpPr>
+          <p:spPr>
+            <a:xfrm>
+              <a:off x="10241280" y="1852146"/>
+              <a:ext cx="1051560" cy="411480"/>
+            </a:xfrm>
+            <a:prstGeom prst="rect">
+              <a:avLst/>
+            </a:prstGeom>
+            <a:noFill/>
+            <a:ln/>
+          </p:spPr>
+          <p:txBody>
+            <a:bodyPr wrap="square" rtlCol="0" anchor="ctr"/>
+            <a:lstStyle/>
+            <a:p>
+              <a:pPr indent="0" algn="ctr">
+                <a:buNone/>
+              </a:pPr>
+              <a:r>
+                <a:rPr lang="en-US" dirty="0">
+                  <a:solidFill>
+                    <a:schemeClr val="dk1"/>
+                  </a:solidFill>
+                </a:rPr>
+                <a:t>v₁</a:t>
+              </a:r>
+            </a:p>
+          </p:txBody>
+        </p:sp>
+      </p:grpSp>
+      <p:sp>
+        <p:nvSpPr>
+          <p:cNvPr id="15" name="Shape 22">
+            <a:extLst>
+              <a:ext uri="{FF2B5EF4-FFF2-40B4-BE49-F238E27FC236}">
+                <a16:creationId xmlns:a16="http://schemas.microsoft.com/office/drawing/2014/main" id="{6D6386BE-E599-8E59-9174-4E36254C1A58}"/>
+              </a:ext>
+            </a:extLst>
+          </p:cNvPr>
+          <p:cNvSpPr/>
+          <p:nvPr/>
+        </p:nvSpPr>
+        <p:spPr>
+          <a:xfrm>
+            <a:off x="7213058" y="3209585"/>
+            <a:ext cx="2288918" cy="10166"/>
+          </a:xfrm>
+          <a:prstGeom prst="line">
+            <a:avLst/>
+          </a:prstGeom>
+          <a:noFill/>
+          <a:ln w="31750">
+            <a:solidFill>
+              <a:schemeClr val="accent2">
+                <a:lumMod val="75000"/>
+              </a:schemeClr>
+            </a:solidFill>
+            <a:prstDash val="solid"/>
+          </a:ln>
+        </p:spPr>
+      </p:sp>
+      <p:sp>
+        <p:nvSpPr>
+          <p:cNvPr id="18" name="Text 23">
+            <a:extLst>
+              <a:ext uri="{FF2B5EF4-FFF2-40B4-BE49-F238E27FC236}">
+                <a16:creationId xmlns:a16="http://schemas.microsoft.com/office/drawing/2014/main" id="{B082E8E0-1E47-567D-EB59-CFC6007D8FAB}"/>
+              </a:ext>
+            </a:extLst>
+          </p:cNvPr>
+          <p:cNvSpPr/>
+          <p:nvPr/>
+        </p:nvSpPr>
+        <p:spPr>
+          <a:xfrm>
+            <a:off x="10568322" y="3072425"/>
+            <a:ext cx="1048642" cy="320040"/>
+          </a:xfrm>
+          <a:prstGeom prst="rect">
+            <a:avLst/>
+          </a:prstGeom>
+          <a:noFill/>
+          <a:ln/>
+        </p:spPr>
+        <p:txBody>
+          <a:bodyPr wrap="square" rtlCol="0" anchor="ctr"/>
+          <a:lstStyle/>
+          <a:p>
+            <a:pPr marL="0" indent="0">
+              <a:buNone/>
+            </a:pPr>
+            <a:r>
+              <a:rPr lang="en-US" sz="1200" b="1" dirty="0">
+                <a:latin typeface="Microsoft YaHei" pitchFamily="34" charset="0"/>
+                <a:ea typeface="Microsoft YaHei" pitchFamily="34" charset="-122"/>
+                <a:cs typeface="Microsoft YaHei" pitchFamily="34" charset="-120"/>
+              </a:rPr>
+              <a:t>πₜ(v₂)=0.46</a:t>
+            </a:r>
+            <a:endParaRPr lang="en-US" sz="1200" dirty="0"/>
+          </a:p>
+        </p:txBody>
+      </p:sp>
+      <p:grpSp>
+        <p:nvGrpSpPr>
+          <p:cNvPr id="58" name="组合 57">
+            <a:extLst>
+              <a:ext uri="{FF2B5EF4-FFF2-40B4-BE49-F238E27FC236}">
+                <a16:creationId xmlns:a16="http://schemas.microsoft.com/office/drawing/2014/main" id="{B3ED9389-CEDB-9041-16BE-07823BAC202B}"/>
+              </a:ext>
+            </a:extLst>
+          </p:cNvPr>
+          <p:cNvGrpSpPr/>
+          <p:nvPr/>
+        </p:nvGrpSpPr>
+        <p:grpSpPr>
+          <a:xfrm>
+            <a:off x="9523376" y="3003845"/>
+            <a:ext cx="1051560" cy="411480"/>
+            <a:chOff x="10241280" y="2514600"/>
+            <a:chExt cx="1051560" cy="411480"/>
+          </a:xfrm>
+        </p:grpSpPr>
+        <p:sp>
+          <p:nvSpPr>
+            <p:cNvPr id="27" name="Shape 24">
+              <a:extLst>
+                <a:ext uri="{FF2B5EF4-FFF2-40B4-BE49-F238E27FC236}">
+                  <a16:creationId xmlns:a16="http://schemas.microsoft.com/office/drawing/2014/main" id="{98A1732A-DD8E-2E57-B27D-709D8DBD511F}"/>
+                </a:ext>
+              </a:extLst>
+            </p:cNvPr>
+            <p:cNvSpPr/>
+            <p:nvPr/>
+          </p:nvSpPr>
+          <p:spPr>
+            <a:xfrm>
+              <a:off x="10241280" y="2514600"/>
+              <a:ext cx="1051560" cy="411480"/>
+            </a:xfrm>
+            <a:prstGeom prst="roundRect">
+              <a:avLst/>
+            </a:prstGeom>
+            <a:solidFill>
+              <a:schemeClr val="accent2">
+                <a:lumMod val="20000"/>
+                <a:lumOff val="80000"/>
+              </a:schemeClr>
+            </a:solidFill>
+            <a:ln w="31750">
+              <a:solidFill>
+                <a:schemeClr val="accent2">
+                  <a:lumMod val="75000"/>
+                </a:schemeClr>
+              </a:solidFill>
+              <a:prstDash val="solid"/>
+            </a:ln>
+          </p:spPr>
+          <p:txBody>
+            <a:bodyPr/>
+            <a:lstStyle/>
+            <a:p>
+              <a:endParaRPr lang="zh-CN" altLang="en-US" dirty="0"/>
+            </a:p>
+          </p:txBody>
+        </p:sp>
+        <p:sp>
+          <p:nvSpPr>
+            <p:cNvPr id="28" name="Text 25">
+              <a:extLst>
+                <a:ext uri="{FF2B5EF4-FFF2-40B4-BE49-F238E27FC236}">
+                  <a16:creationId xmlns:a16="http://schemas.microsoft.com/office/drawing/2014/main" id="{8B343EC6-4016-4410-F6BD-8D74C3F67BA6}"/>
+                </a:ext>
+              </a:extLst>
+            </p:cNvPr>
+            <p:cNvSpPr/>
+            <p:nvPr/>
+          </p:nvSpPr>
+          <p:spPr>
+            <a:xfrm>
+              <a:off x="10241280" y="2514600"/>
+              <a:ext cx="1051560" cy="411480"/>
+            </a:xfrm>
+            <a:prstGeom prst="rect">
+              <a:avLst/>
+            </a:prstGeom>
+            <a:noFill/>
+            <a:ln>
+              <a:solidFill>
+                <a:schemeClr val="accent2">
+                  <a:lumMod val="75000"/>
+                </a:schemeClr>
+              </a:solidFill>
+            </a:ln>
+          </p:spPr>
+          <p:txBody>
+            <a:bodyPr wrap="square" rtlCol="0" anchor="ctr"/>
+            <a:lstStyle/>
+            <a:p>
+              <a:pPr indent="0" algn="ctr">
+                <a:buNone/>
+              </a:pPr>
+              <a:r>
+                <a:rPr lang="en-US" dirty="0">
+                  <a:solidFill>
+                    <a:schemeClr val="dk1"/>
+                  </a:solidFill>
+                </a:rPr>
+                <a:t>v₂</a:t>
+              </a:r>
+            </a:p>
+          </p:txBody>
+        </p:sp>
+      </p:grpSp>
+      <p:sp>
+        <p:nvSpPr>
+          <p:cNvPr id="30" name="Text 27">
+            <a:extLst>
+              <a:ext uri="{FF2B5EF4-FFF2-40B4-BE49-F238E27FC236}">
+                <a16:creationId xmlns:a16="http://schemas.microsoft.com/office/drawing/2014/main" id="{00D0601B-36EC-8A59-54B9-A6B446249EFD}"/>
+              </a:ext>
+            </a:extLst>
+          </p:cNvPr>
+          <p:cNvSpPr/>
+          <p:nvPr/>
+        </p:nvSpPr>
+        <p:spPr>
+          <a:xfrm>
+            <a:off x="10565404" y="3892756"/>
+            <a:ext cx="1051560" cy="320040"/>
+          </a:xfrm>
+          <a:prstGeom prst="rect">
+            <a:avLst/>
+          </a:prstGeom>
+          <a:noFill/>
+          <a:ln/>
+        </p:spPr>
+        <p:txBody>
+          <a:bodyPr wrap="square" rtlCol="0" anchor="ctr"/>
+          <a:lstStyle/>
+          <a:p>
+            <a:pPr marL="0" indent="0">
+              <a:buNone/>
+            </a:pPr>
+            <a:r>
+              <a:rPr lang="en-US" sz="1200" b="1" dirty="0">
+                <a:latin typeface="Microsoft YaHei" pitchFamily="34" charset="0"/>
+                <a:ea typeface="Microsoft YaHei" pitchFamily="34" charset="-122"/>
+                <a:cs typeface="Microsoft YaHei" pitchFamily="34" charset="-120"/>
+              </a:rPr>
+              <a:t>πₜ(v₃)=0.03</a:t>
+            </a:r>
+            <a:endParaRPr lang="en-US" sz="1200" dirty="0"/>
+          </a:p>
+        </p:txBody>
+      </p:sp>
+      <p:sp>
+        <p:nvSpPr>
+          <p:cNvPr id="32" name="Shape 28">
+            <a:extLst>
+              <a:ext uri="{FF2B5EF4-FFF2-40B4-BE49-F238E27FC236}">
+                <a16:creationId xmlns:a16="http://schemas.microsoft.com/office/drawing/2014/main" id="{ACF1E5E6-8446-66B3-D38A-E87B24336944}"/>
+              </a:ext>
+            </a:extLst>
+          </p:cNvPr>
+          <p:cNvSpPr/>
+          <p:nvPr/>
+        </p:nvSpPr>
+        <p:spPr>
+          <a:xfrm>
+            <a:off x="9537920" y="3852462"/>
+            <a:ext cx="1051560" cy="411480"/>
+          </a:xfrm>
+          <a:prstGeom prst="roundRect">
+            <a:avLst/>
+          </a:prstGeom>
+          <a:solidFill>
+            <a:srgbClr val="F3F4F6"/>
+          </a:solidFill>
+          <a:ln w="15875">
+            <a:solidFill>
+              <a:srgbClr val="9CA3AF"/>
+            </a:solidFill>
+            <a:prstDash val="solid"/>
+          </a:ln>
+        </p:spPr>
+        <p:txBody>
+          <a:bodyPr/>
+          <a:lstStyle/>
+          <a:p>
+            <a:endParaRPr lang="zh-CN" altLang="en-US" dirty="0"/>
+          </a:p>
+        </p:txBody>
+      </p:sp>
+      <p:sp>
+        <p:nvSpPr>
+          <p:cNvPr id="42" name="Text 29">
+            <a:extLst>
+              <a:ext uri="{FF2B5EF4-FFF2-40B4-BE49-F238E27FC236}">
+                <a16:creationId xmlns:a16="http://schemas.microsoft.com/office/drawing/2014/main" id="{D658245C-8AEF-2963-F4CE-E52EB90312A0}"/>
+              </a:ext>
+            </a:extLst>
+          </p:cNvPr>
+          <p:cNvSpPr/>
+          <p:nvPr/>
+        </p:nvSpPr>
+        <p:spPr>
+          <a:xfrm>
+            <a:off x="9523376" y="3838577"/>
+            <a:ext cx="1051560" cy="411480"/>
+          </a:xfrm>
+          <a:prstGeom prst="rect">
+            <a:avLst/>
+          </a:prstGeom>
+          <a:noFill/>
+          <a:ln/>
+        </p:spPr>
+        <p:txBody>
+          <a:bodyPr wrap="square" rtlCol="0" anchor="ctr"/>
+          <a:lstStyle/>
+          <a:p>
+            <a:pPr indent="0" algn="ctr">
+              <a:buNone/>
+            </a:pPr>
+            <a:r>
+              <a:rPr lang="en-US" dirty="0">
+                <a:solidFill>
+                  <a:schemeClr val="dk1"/>
+                </a:solidFill>
+              </a:rPr>
+              <a:t>v₃</a:t>
+            </a:r>
+          </a:p>
+        </p:txBody>
+      </p:sp>
+      <p:sp>
+        <p:nvSpPr>
+          <p:cNvPr id="56" name="Shape 34">
+            <a:extLst>
+              <a:ext uri="{FF2B5EF4-FFF2-40B4-BE49-F238E27FC236}">
+                <a16:creationId xmlns:a16="http://schemas.microsoft.com/office/drawing/2014/main" id="{1BFA93D7-DCFB-DE84-B3FD-ACD60F9B4E69}"/>
+              </a:ext>
+            </a:extLst>
+          </p:cNvPr>
+          <p:cNvSpPr/>
+          <p:nvPr/>
+        </p:nvSpPr>
+        <p:spPr>
+          <a:xfrm>
+            <a:off x="7234457" y="3245677"/>
+            <a:ext cx="2267518" cy="804864"/>
+          </a:xfrm>
+          <a:prstGeom prst="line">
+            <a:avLst/>
+          </a:prstGeom>
+          <a:noFill/>
+          <a:ln w="19050">
+            <a:solidFill>
+              <a:srgbClr val="9CA3AF"/>
+            </a:solidFill>
+            <a:prstDash val="solid"/>
+          </a:ln>
+        </p:spPr>
+      </p:sp>
+      <p:sp>
+        <p:nvSpPr>
+          <p:cNvPr id="59" name="Text 21">
+            <a:extLst>
+              <a:ext uri="{FF2B5EF4-FFF2-40B4-BE49-F238E27FC236}">
+                <a16:creationId xmlns:a16="http://schemas.microsoft.com/office/drawing/2014/main" id="{E5EDB913-CE7C-1CC8-57DB-F2893009304D}"/>
+              </a:ext>
+            </a:extLst>
+          </p:cNvPr>
+          <p:cNvSpPr/>
+          <p:nvPr/>
+        </p:nvSpPr>
+        <p:spPr>
+          <a:xfrm>
+            <a:off x="7762086" y="2312102"/>
+            <a:ext cx="1051560" cy="411480"/>
+          </a:xfrm>
+          <a:prstGeom prst="rect">
+            <a:avLst/>
+          </a:prstGeom>
+          <a:noFill/>
+          <a:ln/>
+        </p:spPr>
+        <p:txBody>
+          <a:bodyPr wrap="square" rtlCol="0" anchor="ctr"/>
+          <a:lstStyle/>
+          <a:p>
+            <a:pPr indent="0" algn="ctr">
+              <a:buNone/>
+            </a:pPr>
+            <a:r>
+              <a:rPr lang="en-US" dirty="0">
+                <a:solidFill>
+                  <a:schemeClr val="dk1"/>
+                </a:solidFill>
+              </a:rPr>
+              <a:t>taken</a:t>
+            </a:r>
+          </a:p>
+        </p:txBody>
+      </p:sp>
+      <p:sp>
+        <p:nvSpPr>
+          <p:cNvPr id="62" name="Text 21">
+            <a:extLst>
+              <a:ext uri="{FF2B5EF4-FFF2-40B4-BE49-F238E27FC236}">
+                <a16:creationId xmlns:a16="http://schemas.microsoft.com/office/drawing/2014/main" id="{37C606FB-9B11-C0E3-8F1A-E96E4A01EF50}"/>
+              </a:ext>
+            </a:extLst>
+          </p:cNvPr>
+          <p:cNvSpPr/>
+          <p:nvPr/>
+        </p:nvSpPr>
+        <p:spPr>
+          <a:xfrm>
+            <a:off x="7760966" y="2856687"/>
+            <a:ext cx="1638138" cy="411480"/>
+          </a:xfrm>
+          <a:prstGeom prst="rect">
+            <a:avLst/>
+          </a:prstGeom>
+          <a:noFill/>
+          <a:ln/>
+        </p:spPr>
+        <p:txBody>
+          <a:bodyPr wrap="square" rtlCol="0" anchor="ctr"/>
+          <a:lstStyle/>
+          <a:p>
+            <a:pPr indent="0" algn="ctr">
+              <a:buNone/>
+            </a:pPr>
+            <a:r>
+              <a:rPr lang="en-US" dirty="0">
+                <a:solidFill>
+                  <a:schemeClr val="dk1"/>
+                </a:solidFill>
+              </a:rPr>
+              <a:t>taken in N-way </a:t>
+            </a:r>
+          </a:p>
+        </p:txBody>
+      </p:sp>
+      <p:sp>
+        <p:nvSpPr>
+          <p:cNvPr id="63" name="Text 21">
+            <a:extLst>
+              <a:ext uri="{FF2B5EF4-FFF2-40B4-BE49-F238E27FC236}">
+                <a16:creationId xmlns:a16="http://schemas.microsoft.com/office/drawing/2014/main" id="{3724E856-AA55-786A-10BC-BFE96B808830}"/>
+              </a:ext>
+            </a:extLst>
+          </p:cNvPr>
+          <p:cNvSpPr/>
+          <p:nvPr/>
+        </p:nvSpPr>
+        <p:spPr>
+          <a:xfrm>
+            <a:off x="7705131" y="3664987"/>
+            <a:ext cx="1165469" cy="411480"/>
+          </a:xfrm>
+          <a:prstGeom prst="rect">
+            <a:avLst/>
+          </a:prstGeom>
+          <a:noFill/>
+          <a:ln/>
+        </p:spPr>
+        <p:txBody>
+          <a:bodyPr wrap="square" rtlCol="0" anchor="ctr"/>
+          <a:lstStyle/>
+          <a:p>
+            <a:pPr indent="0" algn="ctr">
+              <a:buNone/>
+            </a:pPr>
+            <a:r>
+              <a:rPr lang="en-US" dirty="0">
+                <a:solidFill>
+                  <a:schemeClr val="dk1"/>
+                </a:solidFill>
+              </a:rPr>
+              <a:t>not taken</a:t>
+            </a:r>
+          </a:p>
+        </p:txBody>
+      </p:sp>
+    </p:spTree>
+    <p:extLst>
+      <p:ext uri="{BB962C8B-B14F-4D97-AF65-F5344CB8AC3E}">
+        <p14:creationId xmlns:p14="http://schemas.microsoft.com/office/powerpoint/2010/main" val="850857468"/>
       </p:ext>
     </p:extLst>
   </p:cSld>

--- a/美术作品.pptx
+++ b/美术作品.pptx
@@ -4,12 +4,16 @@
   <p:sldMasterIdLst>
     <p:sldMasterId id="2147483648" r:id="rId1"/>
   </p:sldMasterIdLst>
+  <p:notesMasterIdLst>
+    <p:notesMasterId r:id="rId8"/>
+  </p:notesMasterIdLst>
   <p:sldIdLst>
     <p:sldId id="256" r:id="rId2"/>
     <p:sldId id="257" r:id="rId3"/>
     <p:sldId id="258" r:id="rId4"/>
     <p:sldId id="259" r:id="rId5"/>
     <p:sldId id="260" r:id="rId6"/>
+    <p:sldId id="261" r:id="rId7"/>
   </p:sldIdLst>
   <p:sldSz cx="12192000" cy="6858000"/>
   <p:notesSz cx="6858000" cy="9144000"/>
@@ -332,6 +336,473 @@
 </c:chartSpace>
 </file>
 
+<file path=ppt/notesMasters/notesMaster1.xml><?xml version="1.0" encoding="utf-8"?>
+<p:notesMaster xmlns:a="http://schemas.openxmlformats.org/drawingml/2006/main" xmlns:r="http://schemas.openxmlformats.org/officeDocument/2006/relationships" xmlns:p="http://schemas.openxmlformats.org/presentationml/2006/main">
+  <p:cSld>
+    <p:bg>
+      <p:bgRef idx="1001">
+        <a:schemeClr val="bg1"/>
+      </p:bgRef>
+    </p:bg>
+    <p:spTree>
+      <p:nvGrpSpPr>
+        <p:cNvPr id="1" name=""/>
+        <p:cNvGrpSpPr/>
+        <p:nvPr/>
+      </p:nvGrpSpPr>
+      <p:grpSpPr>
+        <a:xfrm>
+          <a:off x="0" y="0"/>
+          <a:ext cx="0" cy="0"/>
+          <a:chOff x="0" y="0"/>
+          <a:chExt cx="0" cy="0"/>
+        </a:xfrm>
+      </p:grpSpPr>
+      <p:sp>
+        <p:nvSpPr>
+          <p:cNvPr id="2" name="页眉占位符 1"/>
+          <p:cNvSpPr>
+            <a:spLocks noGrp="1"/>
+          </p:cNvSpPr>
+          <p:nvPr>
+            <p:ph type="hdr" sz="quarter"/>
+          </p:nvPr>
+        </p:nvSpPr>
+        <p:spPr>
+          <a:xfrm>
+            <a:off x="0" y="0"/>
+            <a:ext cx="2971800" cy="458788"/>
+          </a:xfrm>
+          <a:prstGeom prst="rect">
+            <a:avLst/>
+          </a:prstGeom>
+        </p:spPr>
+        <p:txBody>
+          <a:bodyPr vert="horz" lIns="91440" tIns="45720" rIns="91440" bIns="45720" rtlCol="0"/>
+          <a:lstStyle>
+            <a:lvl1pPr algn="l">
+              <a:defRPr sz="1200"/>
+            </a:lvl1pPr>
+          </a:lstStyle>
+          <a:p>
+            <a:endParaRPr lang="zh-CN" altLang="en-US"/>
+          </a:p>
+        </p:txBody>
+      </p:sp>
+      <p:sp>
+        <p:nvSpPr>
+          <p:cNvPr id="3" name="日期占位符 2"/>
+          <p:cNvSpPr>
+            <a:spLocks noGrp="1"/>
+          </p:cNvSpPr>
+          <p:nvPr>
+            <p:ph type="dt" idx="1"/>
+          </p:nvPr>
+        </p:nvSpPr>
+        <p:spPr>
+          <a:xfrm>
+            <a:off x="3884613" y="0"/>
+            <a:ext cx="2971800" cy="458788"/>
+          </a:xfrm>
+          <a:prstGeom prst="rect">
+            <a:avLst/>
+          </a:prstGeom>
+        </p:spPr>
+        <p:txBody>
+          <a:bodyPr vert="horz" lIns="91440" tIns="45720" rIns="91440" bIns="45720" rtlCol="0"/>
+          <a:lstStyle>
+            <a:lvl1pPr algn="r">
+              <a:defRPr sz="1200"/>
+            </a:lvl1pPr>
+          </a:lstStyle>
+          <a:p>
+            <a:fld id="{1F5AD5B5-6CBB-4946-BB99-91A038EC83D0}" type="datetimeFigureOut">
+              <a:rPr lang="zh-CN" altLang="en-US" smtClean="0"/>
+              <a:t>2026/3/1</a:t>
+            </a:fld>
+            <a:endParaRPr lang="zh-CN" altLang="en-US"/>
+          </a:p>
+        </p:txBody>
+      </p:sp>
+      <p:sp>
+        <p:nvSpPr>
+          <p:cNvPr id="4" name="幻灯片图像占位符 3"/>
+          <p:cNvSpPr>
+            <a:spLocks noGrp="1" noRot="1" noChangeAspect="1"/>
+          </p:cNvSpPr>
+          <p:nvPr>
+            <p:ph type="sldImg" idx="2"/>
+          </p:nvPr>
+        </p:nvSpPr>
+        <p:spPr>
+          <a:xfrm>
+            <a:off x="685800" y="1143000"/>
+            <a:ext cx="5486400" cy="3086100"/>
+          </a:xfrm>
+          <a:prstGeom prst="rect">
+            <a:avLst/>
+          </a:prstGeom>
+          <a:noFill/>
+          <a:ln w="12700">
+            <a:solidFill>
+              <a:prstClr val="black"/>
+            </a:solidFill>
+          </a:ln>
+        </p:spPr>
+        <p:txBody>
+          <a:bodyPr vert="horz" lIns="91440" tIns="45720" rIns="91440" bIns="45720" rtlCol="0" anchor="ctr"/>
+          <a:lstStyle/>
+          <a:p>
+            <a:endParaRPr lang="zh-CN" altLang="en-US"/>
+          </a:p>
+        </p:txBody>
+      </p:sp>
+      <p:sp>
+        <p:nvSpPr>
+          <p:cNvPr id="5" name="备注占位符 4"/>
+          <p:cNvSpPr>
+            <a:spLocks noGrp="1"/>
+          </p:cNvSpPr>
+          <p:nvPr>
+            <p:ph type="body" sz="quarter" idx="3"/>
+          </p:nvPr>
+        </p:nvSpPr>
+        <p:spPr>
+          <a:xfrm>
+            <a:off x="685800" y="4400550"/>
+            <a:ext cx="5486400" cy="3600450"/>
+          </a:xfrm>
+          <a:prstGeom prst="rect">
+            <a:avLst/>
+          </a:prstGeom>
+        </p:spPr>
+        <p:txBody>
+          <a:bodyPr vert="horz" lIns="91440" tIns="45720" rIns="91440" bIns="45720" rtlCol="0"/>
+          <a:lstStyle/>
+          <a:p>
+            <a:pPr lvl="0"/>
+            <a:r>
+              <a:rPr lang="zh-CN" altLang="en-US"/>
+              <a:t>单击此处编辑母版文本样式</a:t>
+            </a:r>
+          </a:p>
+          <a:p>
+            <a:pPr lvl="1"/>
+            <a:r>
+              <a:rPr lang="zh-CN" altLang="en-US"/>
+              <a:t>二级</a:t>
+            </a:r>
+          </a:p>
+          <a:p>
+            <a:pPr lvl="2"/>
+            <a:r>
+              <a:rPr lang="zh-CN" altLang="en-US"/>
+              <a:t>三级</a:t>
+            </a:r>
+          </a:p>
+          <a:p>
+            <a:pPr lvl="3"/>
+            <a:r>
+              <a:rPr lang="zh-CN" altLang="en-US"/>
+              <a:t>四级</a:t>
+            </a:r>
+          </a:p>
+          <a:p>
+            <a:pPr lvl="4"/>
+            <a:r>
+              <a:rPr lang="zh-CN" altLang="en-US"/>
+              <a:t>五级</a:t>
+            </a:r>
+          </a:p>
+        </p:txBody>
+      </p:sp>
+      <p:sp>
+        <p:nvSpPr>
+          <p:cNvPr id="6" name="页脚占位符 5"/>
+          <p:cNvSpPr>
+            <a:spLocks noGrp="1"/>
+          </p:cNvSpPr>
+          <p:nvPr>
+            <p:ph type="ftr" sz="quarter" idx="4"/>
+          </p:nvPr>
+        </p:nvSpPr>
+        <p:spPr>
+          <a:xfrm>
+            <a:off x="0" y="8685213"/>
+            <a:ext cx="2971800" cy="458787"/>
+          </a:xfrm>
+          <a:prstGeom prst="rect">
+            <a:avLst/>
+          </a:prstGeom>
+        </p:spPr>
+        <p:txBody>
+          <a:bodyPr vert="horz" lIns="91440" tIns="45720" rIns="91440" bIns="45720" rtlCol="0" anchor="b"/>
+          <a:lstStyle>
+            <a:lvl1pPr algn="l">
+              <a:defRPr sz="1200"/>
+            </a:lvl1pPr>
+          </a:lstStyle>
+          <a:p>
+            <a:endParaRPr lang="zh-CN" altLang="en-US"/>
+          </a:p>
+        </p:txBody>
+      </p:sp>
+      <p:sp>
+        <p:nvSpPr>
+          <p:cNvPr id="7" name="灯片编号占位符 6"/>
+          <p:cNvSpPr>
+            <a:spLocks noGrp="1"/>
+          </p:cNvSpPr>
+          <p:nvPr>
+            <p:ph type="sldNum" sz="quarter" idx="5"/>
+          </p:nvPr>
+        </p:nvSpPr>
+        <p:spPr>
+          <a:xfrm>
+            <a:off x="3884613" y="8685213"/>
+            <a:ext cx="2971800" cy="458787"/>
+          </a:xfrm>
+          <a:prstGeom prst="rect">
+            <a:avLst/>
+          </a:prstGeom>
+        </p:spPr>
+        <p:txBody>
+          <a:bodyPr vert="horz" lIns="91440" tIns="45720" rIns="91440" bIns="45720" rtlCol="0" anchor="b"/>
+          <a:lstStyle>
+            <a:lvl1pPr algn="r">
+              <a:defRPr sz="1200"/>
+            </a:lvl1pPr>
+          </a:lstStyle>
+          <a:p>
+            <a:fld id="{ED9D1D49-895D-4F5A-ABF8-27223E77D4BA}" type="slidenum">
+              <a:rPr lang="zh-CN" altLang="en-US" smtClean="0"/>
+              <a:t>‹#›</a:t>
+            </a:fld>
+            <a:endParaRPr lang="zh-CN" altLang="en-US"/>
+          </a:p>
+        </p:txBody>
+      </p:sp>
+    </p:spTree>
+    <p:extLst>
+      <p:ext uri="{BB962C8B-B14F-4D97-AF65-F5344CB8AC3E}">
+        <p14:creationId xmlns:p14="http://schemas.microsoft.com/office/powerpoint/2010/main" val="1282345557"/>
+      </p:ext>
+    </p:extLst>
+  </p:cSld>
+  <p:clrMap bg1="lt1" tx1="dk1" bg2="lt2" tx2="dk2" accent1="accent1" accent2="accent2" accent3="accent3" accent4="accent4" accent5="accent5" accent6="accent6" hlink="hlink" folHlink="folHlink"/>
+  <p:notesStyle>
+    <a:lvl1pPr marL="0" algn="l" defTabSz="914400" rtl="0" eaLnBrk="1" latinLnBrk="0" hangingPunct="1">
+      <a:defRPr sz="1200" kern="1200">
+        <a:solidFill>
+          <a:schemeClr val="tx1"/>
+        </a:solidFill>
+        <a:latin typeface="+mn-lt"/>
+        <a:ea typeface="+mn-ea"/>
+        <a:cs typeface="+mn-cs"/>
+      </a:defRPr>
+    </a:lvl1pPr>
+    <a:lvl2pPr marL="457200" algn="l" defTabSz="914400" rtl="0" eaLnBrk="1" latinLnBrk="0" hangingPunct="1">
+      <a:defRPr sz="1200" kern="1200">
+        <a:solidFill>
+          <a:schemeClr val="tx1"/>
+        </a:solidFill>
+        <a:latin typeface="+mn-lt"/>
+        <a:ea typeface="+mn-ea"/>
+        <a:cs typeface="+mn-cs"/>
+      </a:defRPr>
+    </a:lvl2pPr>
+    <a:lvl3pPr marL="914400" algn="l" defTabSz="914400" rtl="0" eaLnBrk="1" latinLnBrk="0" hangingPunct="1">
+      <a:defRPr sz="1200" kern="1200">
+        <a:solidFill>
+          <a:schemeClr val="tx1"/>
+        </a:solidFill>
+        <a:latin typeface="+mn-lt"/>
+        <a:ea typeface="+mn-ea"/>
+        <a:cs typeface="+mn-cs"/>
+      </a:defRPr>
+    </a:lvl3pPr>
+    <a:lvl4pPr marL="1371600" algn="l" defTabSz="914400" rtl="0" eaLnBrk="1" latinLnBrk="0" hangingPunct="1">
+      <a:defRPr sz="1200" kern="1200">
+        <a:solidFill>
+          <a:schemeClr val="tx1"/>
+        </a:solidFill>
+        <a:latin typeface="+mn-lt"/>
+        <a:ea typeface="+mn-ea"/>
+        <a:cs typeface="+mn-cs"/>
+      </a:defRPr>
+    </a:lvl4pPr>
+    <a:lvl5pPr marL="1828800" algn="l" defTabSz="914400" rtl="0" eaLnBrk="1" latinLnBrk="0" hangingPunct="1">
+      <a:defRPr sz="1200" kern="1200">
+        <a:solidFill>
+          <a:schemeClr val="tx1"/>
+        </a:solidFill>
+        <a:latin typeface="+mn-lt"/>
+        <a:ea typeface="+mn-ea"/>
+        <a:cs typeface="+mn-cs"/>
+      </a:defRPr>
+    </a:lvl5pPr>
+    <a:lvl6pPr marL="2286000" algn="l" defTabSz="914400" rtl="0" eaLnBrk="1" latinLnBrk="0" hangingPunct="1">
+      <a:defRPr sz="1200" kern="1200">
+        <a:solidFill>
+          <a:schemeClr val="tx1"/>
+        </a:solidFill>
+        <a:latin typeface="+mn-lt"/>
+        <a:ea typeface="+mn-ea"/>
+        <a:cs typeface="+mn-cs"/>
+      </a:defRPr>
+    </a:lvl6pPr>
+    <a:lvl7pPr marL="2743200" algn="l" defTabSz="914400" rtl="0" eaLnBrk="1" latinLnBrk="0" hangingPunct="1">
+      <a:defRPr sz="1200" kern="1200">
+        <a:solidFill>
+          <a:schemeClr val="tx1"/>
+        </a:solidFill>
+        <a:latin typeface="+mn-lt"/>
+        <a:ea typeface="+mn-ea"/>
+        <a:cs typeface="+mn-cs"/>
+      </a:defRPr>
+    </a:lvl7pPr>
+    <a:lvl8pPr marL="3200400" algn="l" defTabSz="914400" rtl="0" eaLnBrk="1" latinLnBrk="0" hangingPunct="1">
+      <a:defRPr sz="1200" kern="1200">
+        <a:solidFill>
+          <a:schemeClr val="tx1"/>
+        </a:solidFill>
+        <a:latin typeface="+mn-lt"/>
+        <a:ea typeface="+mn-ea"/>
+        <a:cs typeface="+mn-cs"/>
+      </a:defRPr>
+    </a:lvl8pPr>
+    <a:lvl9pPr marL="3657600" algn="l" defTabSz="914400" rtl="0" eaLnBrk="1" latinLnBrk="0" hangingPunct="1">
+      <a:defRPr sz="1200" kern="1200">
+        <a:solidFill>
+          <a:schemeClr val="tx1"/>
+        </a:solidFill>
+        <a:latin typeface="+mn-lt"/>
+        <a:ea typeface="+mn-ea"/>
+        <a:cs typeface="+mn-cs"/>
+      </a:defRPr>
+    </a:lvl9pPr>
+  </p:notesStyle>
+</p:notesMaster>
+</file>
+
+<file path=ppt/notesSlides/notesSlide1.xml><?xml version="1.0" encoding="utf-8"?>
+<p:notes xmlns:a="http://schemas.openxmlformats.org/drawingml/2006/main" xmlns:r="http://schemas.openxmlformats.org/officeDocument/2006/relationships" xmlns:p="http://schemas.openxmlformats.org/presentationml/2006/main">
+  <p:cSld>
+    <p:spTree>
+      <p:nvGrpSpPr>
+        <p:cNvPr id="1" name=""/>
+        <p:cNvGrpSpPr/>
+        <p:nvPr/>
+      </p:nvGrpSpPr>
+      <p:grpSpPr>
+        <a:xfrm>
+          <a:off x="0" y="0"/>
+          <a:ext cx="0" cy="0"/>
+          <a:chOff x="0" y="0"/>
+          <a:chExt cx="0" cy="0"/>
+        </a:xfrm>
+      </p:grpSpPr>
+      <p:sp>
+        <p:nvSpPr>
+          <p:cNvPr id="2" name="幻灯片图像占位符 1"/>
+          <p:cNvSpPr>
+            <a:spLocks noGrp="1" noRot="1" noChangeAspect="1"/>
+          </p:cNvSpPr>
+          <p:nvPr>
+            <p:ph type="sldImg"/>
+          </p:nvPr>
+        </p:nvSpPr>
+        <p:spPr/>
+      </p:sp>
+      <p:sp>
+        <p:nvSpPr>
+          <p:cNvPr id="3" name="备注占位符 2"/>
+          <p:cNvSpPr>
+            <a:spLocks noGrp="1"/>
+          </p:cNvSpPr>
+          <p:nvPr>
+            <p:ph type="body" idx="1"/>
+          </p:nvPr>
+        </p:nvSpPr>
+        <p:spPr/>
+        <p:txBody>
+          <a:bodyPr/>
+          <a:lstStyle/>
+          <a:p>
+            <a:r>
+              <a:rPr lang="zh-CN" altLang="en-US" dirty="0"/>
+              <a:t>我现在绘制了这张图，现在请把它添加到原文的相关位置，要求：</a:t>
+            </a:r>
+          </a:p>
+          <a:p>
+            <a:r>
+              <a:rPr lang="en-US" altLang="zh-CN" dirty="0"/>
+              <a:t>1. </a:t>
+            </a:r>
+            <a:r>
+              <a:rPr lang="zh-CN" altLang="en-US" dirty="0"/>
+              <a:t>告诉我添加到哪个位置；</a:t>
+            </a:r>
+          </a:p>
+          <a:p>
+            <a:r>
+              <a:rPr lang="en-US" altLang="zh-CN" dirty="0"/>
+              <a:t>2. </a:t>
+            </a:r>
+            <a:r>
+              <a:rPr lang="zh-CN" altLang="en-US" dirty="0"/>
+              <a:t>将图片和原文中的一两句描述文字告诉我，使用</a:t>
+            </a:r>
+            <a:r>
+              <a:rPr lang="en-US" altLang="zh-CN" dirty="0"/>
+              <a:t>latex</a:t>
+            </a:r>
+            <a:r>
+              <a:rPr lang="zh-CN" altLang="en-US" dirty="0"/>
+              <a:t>。</a:t>
+            </a:r>
+          </a:p>
+          <a:p>
+            <a:endParaRPr lang="zh-CN" altLang="en-US" dirty="0"/>
+          </a:p>
+        </p:txBody>
+      </p:sp>
+      <p:sp>
+        <p:nvSpPr>
+          <p:cNvPr id="4" name="灯片编号占位符 3"/>
+          <p:cNvSpPr>
+            <a:spLocks noGrp="1"/>
+          </p:cNvSpPr>
+          <p:nvPr>
+            <p:ph type="sldNum" sz="quarter" idx="5"/>
+          </p:nvPr>
+        </p:nvSpPr>
+        <p:spPr/>
+        <p:txBody>
+          <a:bodyPr/>
+          <a:lstStyle/>
+          <a:p>
+            <a:fld id="{ED9D1D49-895D-4F5A-ABF8-27223E77D4BA}" type="slidenum">
+              <a:rPr lang="zh-CN" altLang="en-US" smtClean="0"/>
+              <a:t>6</a:t>
+            </a:fld>
+            <a:endParaRPr lang="zh-CN" altLang="en-US"/>
+          </a:p>
+        </p:txBody>
+      </p:sp>
+    </p:spTree>
+    <p:extLst>
+      <p:ext uri="{BB962C8B-B14F-4D97-AF65-F5344CB8AC3E}">
+        <p14:creationId xmlns:p14="http://schemas.microsoft.com/office/powerpoint/2010/main" val="3717162448"/>
+      </p:ext>
+    </p:extLst>
+  </p:cSld>
+  <p:clrMapOvr>
+    <a:masterClrMapping/>
+  </p:clrMapOvr>
+</p:notes>
+</file>
+
 <file path=ppt/slideLayouts/slideLayout1.xml><?xml version="1.0" encoding="utf-8"?>
 <p:sldLayout xmlns:a="http://schemas.openxmlformats.org/drawingml/2006/main" xmlns:r="http://schemas.openxmlformats.org/officeDocument/2006/relationships" xmlns:p="http://schemas.openxmlformats.org/presentationml/2006/main" type="title" preserve="1">
   <p:cSld name="标题幻灯片">
@@ -461,7 +932,7 @@
           <a:p>
             <a:fld id="{D997B5FA-0921-464F-AAE1-844C04324D75}" type="datetimeFigureOut">
               <a:rPr lang="zh-CN" altLang="en-US" smtClean="0"/>
-              <a:t>2026/2/28</a:t>
+              <a:t>2026/3/1</a:t>
             </a:fld>
             <a:endParaRPr lang="zh-CN" altLang="en-US"/>
           </a:p>
@@ -624,7 +1095,7 @@
           <a:p>
             <a:fld id="{D997B5FA-0921-464F-AAE1-844C04324D75}" type="datetimeFigureOut">
               <a:rPr lang="zh-CN" altLang="en-US" smtClean="0"/>
-              <a:t>2026/2/28</a:t>
+              <a:t>2026/3/1</a:t>
             </a:fld>
             <a:endParaRPr lang="zh-CN" altLang="en-US"/>
           </a:p>
@@ -797,7 +1268,7 @@
           <a:p>
             <a:fld id="{D997B5FA-0921-464F-AAE1-844C04324D75}" type="datetimeFigureOut">
               <a:rPr lang="zh-CN" altLang="en-US" smtClean="0"/>
-              <a:t>2026/2/28</a:t>
+              <a:t>2026/3/1</a:t>
             </a:fld>
             <a:endParaRPr lang="zh-CN" altLang="en-US"/>
           </a:p>
@@ -960,7 +1431,7 @@
           <a:p>
             <a:fld id="{D997B5FA-0921-464F-AAE1-844C04324D75}" type="datetimeFigureOut">
               <a:rPr lang="zh-CN" altLang="en-US" smtClean="0"/>
-              <a:t>2026/2/28</a:t>
+              <a:t>2026/3/1</a:t>
             </a:fld>
             <a:endParaRPr lang="zh-CN" altLang="en-US"/>
           </a:p>
@@ -1200,7 +1671,7 @@
           <a:p>
             <a:fld id="{D997B5FA-0921-464F-AAE1-844C04324D75}" type="datetimeFigureOut">
               <a:rPr lang="zh-CN" altLang="en-US" smtClean="0"/>
-              <a:t>2026/2/28</a:t>
+              <a:t>2026/3/1</a:t>
             </a:fld>
             <a:endParaRPr lang="zh-CN" altLang="en-US"/>
           </a:p>
@@ -1424,7 +1895,7 @@
           <a:p>
             <a:fld id="{D997B5FA-0921-464F-AAE1-844C04324D75}" type="datetimeFigureOut">
               <a:rPr lang="zh-CN" altLang="en-US" smtClean="0"/>
-              <a:t>2026/2/28</a:t>
+              <a:t>2026/3/1</a:t>
             </a:fld>
             <a:endParaRPr lang="zh-CN" altLang="en-US"/>
           </a:p>
@@ -1783,7 +2254,7 @@
           <a:p>
             <a:fld id="{D997B5FA-0921-464F-AAE1-844C04324D75}" type="datetimeFigureOut">
               <a:rPr lang="zh-CN" altLang="en-US" smtClean="0"/>
-              <a:t>2026/2/28</a:t>
+              <a:t>2026/3/1</a:t>
             </a:fld>
             <a:endParaRPr lang="zh-CN" altLang="en-US"/>
           </a:p>
@@ -1895,7 +2366,7 @@
           <a:p>
             <a:fld id="{D997B5FA-0921-464F-AAE1-844C04324D75}" type="datetimeFigureOut">
               <a:rPr lang="zh-CN" altLang="en-US" smtClean="0"/>
-              <a:t>2026/2/28</a:t>
+              <a:t>2026/3/1</a:t>
             </a:fld>
             <a:endParaRPr lang="zh-CN" altLang="en-US"/>
           </a:p>
@@ -1985,7 +2456,7 @@
           <a:p>
             <a:fld id="{D997B5FA-0921-464F-AAE1-844C04324D75}" type="datetimeFigureOut">
               <a:rPr lang="zh-CN" altLang="en-US" smtClean="0"/>
-              <a:t>2026/2/28</a:t>
+              <a:t>2026/3/1</a:t>
             </a:fld>
             <a:endParaRPr lang="zh-CN" altLang="en-US"/>
           </a:p>
@@ -2255,7 +2726,7 @@
           <a:p>
             <a:fld id="{D997B5FA-0921-464F-AAE1-844C04324D75}" type="datetimeFigureOut">
               <a:rPr lang="zh-CN" altLang="en-US" smtClean="0"/>
-              <a:t>2026/2/28</a:t>
+              <a:t>2026/3/1</a:t>
             </a:fld>
             <a:endParaRPr lang="zh-CN" altLang="en-US"/>
           </a:p>
@@ -2502,7 +2973,7 @@
           <a:p>
             <a:fld id="{D997B5FA-0921-464F-AAE1-844C04324D75}" type="datetimeFigureOut">
               <a:rPr lang="zh-CN" altLang="en-US" smtClean="0"/>
-              <a:t>2026/2/28</a:t>
+              <a:t>2026/3/1</a:t>
             </a:fld>
             <a:endParaRPr lang="zh-CN" altLang="en-US"/>
           </a:p>
@@ -2708,7 +3179,7 @@
           <a:p>
             <a:fld id="{D997B5FA-0921-464F-AAE1-844C04324D75}" type="datetimeFigureOut">
               <a:rPr lang="zh-CN" altLang="en-US" smtClean="0"/>
-              <a:t>2026/2/28</a:t>
+              <a:t>2026/3/1</a:t>
             </a:fld>
             <a:endParaRPr lang="zh-CN" altLang="en-US"/>
           </a:p>
@@ -11571,6 +12042,1284 @@
 </p:sld>
 </file>
 
+<file path=ppt/slides/slide6.xml><?xml version="1.0" encoding="utf-8"?>
+<p:sld xmlns:a="http://schemas.openxmlformats.org/drawingml/2006/main" xmlns:r="http://schemas.openxmlformats.org/officeDocument/2006/relationships" xmlns:p="http://schemas.openxmlformats.org/presentationml/2006/main">
+  <p:cSld>
+    <p:spTree>
+      <p:nvGrpSpPr>
+        <p:cNvPr id="1" name=""/>
+        <p:cNvGrpSpPr/>
+        <p:nvPr/>
+      </p:nvGrpSpPr>
+      <p:grpSpPr>
+        <a:xfrm>
+          <a:off x="0" y="0"/>
+          <a:ext cx="0" cy="0"/>
+          <a:chOff x="0" y="0"/>
+          <a:chExt cx="0" cy="0"/>
+        </a:xfrm>
+      </p:grpSpPr>
+      <p:grpSp>
+        <p:nvGrpSpPr>
+          <p:cNvPr id="3" name="组合 2">
+            <a:extLst>
+              <a:ext uri="{FF2B5EF4-FFF2-40B4-BE49-F238E27FC236}">
+                <a16:creationId xmlns:a16="http://schemas.microsoft.com/office/drawing/2014/main" id="{509FD5F8-9E4F-DF52-A856-E466740DB398}"/>
+              </a:ext>
+            </a:extLst>
+          </p:cNvPr>
+          <p:cNvGrpSpPr/>
+          <p:nvPr/>
+        </p:nvGrpSpPr>
+        <p:grpSpPr>
+          <a:xfrm>
+            <a:off x="2828593" y="1845856"/>
+            <a:ext cx="7127567" cy="4479308"/>
+            <a:chOff x="2828593" y="1845856"/>
+            <a:chExt cx="7127567" cy="4479308"/>
+          </a:xfrm>
+        </p:grpSpPr>
+        <p:grpSp>
+          <p:nvGrpSpPr>
+            <p:cNvPr id="52" name="组合 51">
+              <a:extLst>
+                <a:ext uri="{FF2B5EF4-FFF2-40B4-BE49-F238E27FC236}">
+                  <a16:creationId xmlns:a16="http://schemas.microsoft.com/office/drawing/2014/main" id="{0538AEBF-12CF-8662-2EA4-E23026788482}"/>
+                </a:ext>
+              </a:extLst>
+            </p:cNvPr>
+            <p:cNvGrpSpPr/>
+            <p:nvPr/>
+          </p:nvGrpSpPr>
+          <p:grpSpPr>
+            <a:xfrm>
+              <a:off x="4663440" y="1845856"/>
+              <a:ext cx="2743200" cy="1350791"/>
+              <a:chOff x="914400" y="1903212"/>
+              <a:chExt cx="2743200" cy="1350791"/>
+            </a:xfrm>
+          </p:grpSpPr>
+          <p:sp>
+            <p:nvSpPr>
+              <p:cNvPr id="42" name="椭圆 41">
+                <a:extLst>
+                  <a:ext uri="{FF2B5EF4-FFF2-40B4-BE49-F238E27FC236}">
+                    <a16:creationId xmlns:a16="http://schemas.microsoft.com/office/drawing/2014/main" id="{AF4AAB5F-98AE-8C26-7DA0-0FBD14359798}"/>
+                  </a:ext>
+                </a:extLst>
+              </p:cNvPr>
+              <p:cNvSpPr/>
+              <p:nvPr/>
+            </p:nvSpPr>
+            <p:spPr>
+              <a:xfrm>
+                <a:off x="1611000" y="1903212"/>
+                <a:ext cx="1350000" cy="1350791"/>
+              </a:xfrm>
+              <a:prstGeom prst="ellipse">
+                <a:avLst/>
+              </a:prstGeom>
+              <a:solidFill>
+                <a:srgbClr val="E8F1FF"/>
+              </a:solidFill>
+              <a:ln w="25400">
+                <a:solidFill>
+                  <a:srgbClr val="2563EB"/>
+                </a:solidFill>
+                <a:prstDash val="solid"/>
+              </a:ln>
+            </p:spPr>
+            <p:txBody>
+              <a:bodyPr rtlCol="0" anchor="ctr"/>
+              <a:lstStyle/>
+              <a:p>
+                <a:pPr algn="ctr"/>
+                <a:endParaRPr lang="zh-CN" altLang="en-US" dirty="0"/>
+              </a:p>
+            </p:txBody>
+          </p:sp>
+          <p:sp>
+            <p:nvSpPr>
+              <p:cNvPr id="7" name="Text 3">
+                <a:extLst>
+                  <a:ext uri="{FF2B5EF4-FFF2-40B4-BE49-F238E27FC236}">
+                    <a16:creationId xmlns:a16="http://schemas.microsoft.com/office/drawing/2014/main" id="{A1AA3030-D158-D69C-1828-5214E8A737F6}"/>
+                  </a:ext>
+                </a:extLst>
+              </p:cNvPr>
+              <p:cNvSpPr/>
+              <p:nvPr/>
+            </p:nvSpPr>
+            <p:spPr>
+              <a:xfrm>
+                <a:off x="914400" y="2304288"/>
+                <a:ext cx="2743200" cy="548640"/>
+              </a:xfrm>
+              <a:prstGeom prst="rect">
+                <a:avLst/>
+              </a:prstGeom>
+              <a:noFill/>
+              <a:ln/>
+            </p:spPr>
+            <p:txBody>
+              <a:bodyPr wrap="square" rtlCol="0" anchor="ctr"/>
+              <a:lstStyle/>
+              <a:p>
+                <a:pPr marL="0" indent="0" algn="ctr">
+                  <a:buNone/>
+                </a:pPr>
+                <a:r>
+                  <a:rPr lang="en-US" sz="2200" b="1" dirty="0">
+                    <a:solidFill>
+                      <a:srgbClr val="111827"/>
+                    </a:solidFill>
+                    <a:latin typeface="Calibri" pitchFamily="34" charset="0"/>
+                    <a:ea typeface="Calibri" pitchFamily="34" charset="-122"/>
+                    <a:cs typeface="Calibri" pitchFamily="34" charset="-120"/>
+                  </a:rPr>
+                  <a:t>Normal</a:t>
+                </a:r>
+                <a:endParaRPr lang="en-US" sz="2200" dirty="0"/>
+              </a:p>
+            </p:txBody>
+          </p:sp>
+        </p:grpSp>
+        <p:grpSp>
+          <p:nvGrpSpPr>
+            <p:cNvPr id="50" name="组合 49">
+              <a:extLst>
+                <a:ext uri="{FF2B5EF4-FFF2-40B4-BE49-F238E27FC236}">
+                  <a16:creationId xmlns:a16="http://schemas.microsoft.com/office/drawing/2014/main" id="{8F5DBFDF-AA26-73C2-450D-F9AEC3D2FE05}"/>
+                </a:ext>
+              </a:extLst>
+            </p:cNvPr>
+            <p:cNvGrpSpPr/>
+            <p:nvPr/>
+          </p:nvGrpSpPr>
+          <p:grpSpPr>
+            <a:xfrm>
+              <a:off x="4663440" y="3460712"/>
+              <a:ext cx="2743200" cy="1350791"/>
+              <a:chOff x="4663440" y="3460712"/>
+              <a:chExt cx="2743200" cy="1350791"/>
+            </a:xfrm>
+          </p:grpSpPr>
+          <p:sp>
+            <p:nvSpPr>
+              <p:cNvPr id="47" name="椭圆 46">
+                <a:extLst>
+                  <a:ext uri="{FF2B5EF4-FFF2-40B4-BE49-F238E27FC236}">
+                    <a16:creationId xmlns:a16="http://schemas.microsoft.com/office/drawing/2014/main" id="{34EC5890-C0F2-A9E5-394F-CADF81CAA2AB}"/>
+                  </a:ext>
+                </a:extLst>
+              </p:cNvPr>
+              <p:cNvSpPr/>
+              <p:nvPr/>
+            </p:nvSpPr>
+            <p:spPr>
+              <a:xfrm>
+                <a:off x="5360040" y="3460712"/>
+                <a:ext cx="1350000" cy="1350791"/>
+              </a:xfrm>
+              <a:prstGeom prst="ellipse">
+                <a:avLst/>
+              </a:prstGeom>
+              <a:solidFill>
+                <a:srgbClr val="ECFDF5"/>
+              </a:solidFill>
+              <a:ln w="25400">
+                <a:solidFill>
+                  <a:srgbClr val="10B981"/>
+                </a:solidFill>
+                <a:prstDash val="solid"/>
+              </a:ln>
+            </p:spPr>
+            <p:txBody>
+              <a:bodyPr rtlCol="0" anchor="ctr"/>
+              <a:lstStyle/>
+              <a:p>
+                <a:pPr algn="ctr"/>
+                <a:endParaRPr lang="zh-CN" altLang="en-US" dirty="0"/>
+              </a:p>
+            </p:txBody>
+          </p:sp>
+          <p:sp>
+            <p:nvSpPr>
+              <p:cNvPr id="9" name="Text 5">
+                <a:extLst>
+                  <a:ext uri="{FF2B5EF4-FFF2-40B4-BE49-F238E27FC236}">
+                    <a16:creationId xmlns:a16="http://schemas.microsoft.com/office/drawing/2014/main" id="{BC45E475-DBD1-6FC6-C437-660A7A40DAF7}"/>
+                  </a:ext>
+                </a:extLst>
+              </p:cNvPr>
+              <p:cNvSpPr/>
+              <p:nvPr/>
+            </p:nvSpPr>
+            <p:spPr>
+              <a:xfrm>
+                <a:off x="4663440" y="3858768"/>
+                <a:ext cx="2743200" cy="548640"/>
+              </a:xfrm>
+              <a:prstGeom prst="rect">
+                <a:avLst/>
+              </a:prstGeom>
+              <a:noFill/>
+              <a:ln/>
+            </p:spPr>
+            <p:txBody>
+              <a:bodyPr wrap="square" rtlCol="0" anchor="ctr"/>
+              <a:lstStyle/>
+              <a:p>
+                <a:pPr marL="0" indent="0" algn="ctr">
+                  <a:buNone/>
+                </a:pPr>
+                <a:r>
+                  <a:rPr lang="en-US" sz="2200" b="1" dirty="0">
+                    <a:solidFill>
+                      <a:srgbClr val="111827"/>
+                    </a:solidFill>
+                    <a:latin typeface="Calibri" pitchFamily="34" charset="0"/>
+                    <a:ea typeface="Calibri" pitchFamily="34" charset="-122"/>
+                    <a:cs typeface="Calibri" pitchFamily="34" charset="-120"/>
+                  </a:rPr>
+                  <a:t>Spec</a:t>
+                </a:r>
+                <a:endParaRPr lang="en-US" sz="2200" dirty="0"/>
+              </a:p>
+            </p:txBody>
+          </p:sp>
+        </p:grpSp>
+        <p:grpSp>
+          <p:nvGrpSpPr>
+            <p:cNvPr id="51" name="组合 50">
+              <a:extLst>
+                <a:ext uri="{FF2B5EF4-FFF2-40B4-BE49-F238E27FC236}">
+                  <a16:creationId xmlns:a16="http://schemas.microsoft.com/office/drawing/2014/main" id="{7F1548E3-D23B-7805-0435-6DCB2481788A}"/>
+                </a:ext>
+              </a:extLst>
+            </p:cNvPr>
+            <p:cNvGrpSpPr/>
+            <p:nvPr/>
+          </p:nvGrpSpPr>
+          <p:grpSpPr>
+            <a:xfrm>
+              <a:off x="8606160" y="1920239"/>
+              <a:ext cx="1350000" cy="1350791"/>
+              <a:chOff x="9109080" y="1985061"/>
+              <a:chExt cx="1350000" cy="1350791"/>
+            </a:xfrm>
+          </p:grpSpPr>
+          <p:sp>
+            <p:nvSpPr>
+              <p:cNvPr id="49" name="椭圆 48">
+                <a:extLst>
+                  <a:ext uri="{FF2B5EF4-FFF2-40B4-BE49-F238E27FC236}">
+                    <a16:creationId xmlns:a16="http://schemas.microsoft.com/office/drawing/2014/main" id="{7B27A3B2-9C8D-0F18-F12C-3A5409E35009}"/>
+                  </a:ext>
+                </a:extLst>
+              </p:cNvPr>
+              <p:cNvSpPr/>
+              <p:nvPr/>
+            </p:nvSpPr>
+            <p:spPr>
+              <a:xfrm>
+                <a:off x="9109080" y="1985061"/>
+                <a:ext cx="1350000" cy="1350791"/>
+              </a:xfrm>
+              <a:prstGeom prst="ellipse">
+                <a:avLst/>
+              </a:prstGeom>
+              <a:solidFill>
+                <a:srgbClr val="FFF7ED"/>
+              </a:solidFill>
+              <a:ln w="25400">
+                <a:solidFill>
+                  <a:srgbClr val="F97316"/>
+                </a:solidFill>
+                <a:prstDash val="solid"/>
+              </a:ln>
+            </p:spPr>
+            <p:txBody>
+              <a:bodyPr rtlCol="0" anchor="ctr"/>
+              <a:lstStyle/>
+              <a:p>
+                <a:pPr algn="ctr"/>
+                <a:endParaRPr lang="zh-CN" altLang="en-US" dirty="0"/>
+              </a:p>
+            </p:txBody>
+          </p:sp>
+          <p:sp>
+            <p:nvSpPr>
+              <p:cNvPr id="11" name="Text 7">
+                <a:extLst>
+                  <a:ext uri="{FF2B5EF4-FFF2-40B4-BE49-F238E27FC236}">
+                    <a16:creationId xmlns:a16="http://schemas.microsoft.com/office/drawing/2014/main" id="{F4B2144E-6122-EEBE-7A72-A750DF78F4C9}"/>
+                  </a:ext>
+                </a:extLst>
+              </p:cNvPr>
+              <p:cNvSpPr/>
+              <p:nvPr/>
+            </p:nvSpPr>
+            <p:spPr>
+              <a:xfrm>
+                <a:off x="9227171" y="2382595"/>
+                <a:ext cx="1113817" cy="548640"/>
+              </a:xfrm>
+              <a:prstGeom prst="rect">
+                <a:avLst/>
+              </a:prstGeom>
+              <a:noFill/>
+              <a:ln/>
+            </p:spPr>
+            <p:txBody>
+              <a:bodyPr wrap="square" rtlCol="0" anchor="ctr"/>
+              <a:lstStyle/>
+              <a:p>
+                <a:pPr algn="ctr"/>
+                <a:r>
+                  <a:rPr lang="en-US" altLang="zh-CN" sz="2200" b="1" dirty="0">
+                    <a:solidFill>
+                      <a:srgbClr val="111827"/>
+                    </a:solidFill>
+                    <a:latin typeface="Calibri" pitchFamily="34" charset="0"/>
+                    <a:ea typeface="Calibri" pitchFamily="34" charset="-122"/>
+                    <a:cs typeface="Calibri" pitchFamily="34" charset="-120"/>
+                  </a:rPr>
+                  <a:t>Commit</a:t>
+                </a:r>
+                <a:endParaRPr lang="en-US" altLang="zh-CN" sz="2200" dirty="0"/>
+              </a:p>
+            </p:txBody>
+          </p:sp>
+        </p:grpSp>
+        <p:sp>
+          <p:nvSpPr>
+            <p:cNvPr id="15" name="Shape 11">
+              <a:extLst>
+                <a:ext uri="{FF2B5EF4-FFF2-40B4-BE49-F238E27FC236}">
+                  <a16:creationId xmlns:a16="http://schemas.microsoft.com/office/drawing/2014/main" id="{6DB3A0EF-A534-CBA0-457E-578304D23F92}"/>
+                </a:ext>
+              </a:extLst>
+            </p:cNvPr>
+            <p:cNvSpPr/>
+            <p:nvPr/>
+          </p:nvSpPr>
+          <p:spPr>
+            <a:xfrm flipV="1">
+              <a:off x="3660213" y="2587992"/>
+              <a:ext cx="1644073" cy="841007"/>
+            </a:xfrm>
+            <a:prstGeom prst="line">
+              <a:avLst/>
+            </a:prstGeom>
+            <a:noFill/>
+            <a:ln w="31750">
+              <a:solidFill>
+                <a:srgbClr val="2563EB"/>
+              </a:solidFill>
+              <a:prstDash val="solid"/>
+              <a:headEnd type="none"/>
+              <a:tailEnd type="triangle"/>
+            </a:ln>
+          </p:spPr>
+        </p:sp>
+        <p:sp>
+          <p:nvSpPr>
+            <p:cNvPr id="18" name="Shape 14">
+              <a:extLst>
+                <a:ext uri="{FF2B5EF4-FFF2-40B4-BE49-F238E27FC236}">
+                  <a16:creationId xmlns:a16="http://schemas.microsoft.com/office/drawing/2014/main" id="{3D6AEAE1-95EF-6049-5ECB-52479BC303B4}"/>
+                </a:ext>
+              </a:extLst>
+            </p:cNvPr>
+            <p:cNvSpPr/>
+            <p:nvPr/>
+          </p:nvSpPr>
+          <p:spPr>
+            <a:xfrm>
+              <a:off x="3715966" y="3661354"/>
+              <a:ext cx="1644074" cy="562151"/>
+            </a:xfrm>
+            <a:prstGeom prst="line">
+              <a:avLst/>
+            </a:prstGeom>
+            <a:noFill/>
+            <a:ln w="31750">
+              <a:solidFill>
+                <a:srgbClr val="10B981"/>
+              </a:solidFill>
+              <a:prstDash val="solid"/>
+              <a:headEnd type="none"/>
+              <a:tailEnd type="triangle"/>
+            </a:ln>
+          </p:spPr>
+        </p:sp>
+        <p:sp>
+          <p:nvSpPr>
+            <p:cNvPr id="21" name="Shape 17">
+              <a:extLst>
+                <a:ext uri="{FF2B5EF4-FFF2-40B4-BE49-F238E27FC236}">
+                  <a16:creationId xmlns:a16="http://schemas.microsoft.com/office/drawing/2014/main" id="{16323C6F-44BE-7D98-01B9-9979E8E1DF13}"/>
+                </a:ext>
+              </a:extLst>
+            </p:cNvPr>
+            <p:cNvSpPr/>
+            <p:nvPr/>
+          </p:nvSpPr>
+          <p:spPr>
+            <a:xfrm>
+              <a:off x="6772288" y="2514601"/>
+              <a:ext cx="1777352" cy="20427"/>
+            </a:xfrm>
+            <a:prstGeom prst="line">
+              <a:avLst/>
+            </a:prstGeom>
+            <a:noFill/>
+            <a:ln w="31750">
+              <a:solidFill>
+                <a:srgbClr val="2563EB"/>
+              </a:solidFill>
+              <a:prstDash val="solid"/>
+              <a:headEnd type="none"/>
+              <a:tailEnd type="triangle"/>
+            </a:ln>
+          </p:spPr>
+        </p:sp>
+        <p:sp>
+          <p:nvSpPr>
+            <p:cNvPr id="24" name="Shape 20">
+              <a:extLst>
+                <a:ext uri="{FF2B5EF4-FFF2-40B4-BE49-F238E27FC236}">
+                  <a16:creationId xmlns:a16="http://schemas.microsoft.com/office/drawing/2014/main" id="{CE73AE18-2BC1-FF27-5B77-14906CCD3EE0}"/>
+                </a:ext>
+              </a:extLst>
+            </p:cNvPr>
+            <p:cNvSpPr/>
+            <p:nvPr/>
+          </p:nvSpPr>
+          <p:spPr>
+            <a:xfrm flipV="1">
+              <a:off x="6780179" y="3200400"/>
+              <a:ext cx="2110901" cy="937723"/>
+            </a:xfrm>
+            <a:prstGeom prst="line">
+              <a:avLst/>
+            </a:prstGeom>
+            <a:noFill/>
+            <a:ln w="31750">
+              <a:solidFill>
+                <a:srgbClr val="10B981"/>
+              </a:solidFill>
+              <a:prstDash val="solid"/>
+              <a:headEnd type="none"/>
+              <a:tailEnd type="triangle"/>
+            </a:ln>
+          </p:spPr>
+        </p:sp>
+        <p:sp>
+          <p:nvSpPr>
+            <p:cNvPr id="26" name="Text 22">
+              <a:extLst>
+                <a:ext uri="{FF2B5EF4-FFF2-40B4-BE49-F238E27FC236}">
+                  <a16:creationId xmlns:a16="http://schemas.microsoft.com/office/drawing/2014/main" id="{26717E2D-F4EB-03B1-5980-186575F7CA8C}"/>
+                </a:ext>
+              </a:extLst>
+            </p:cNvPr>
+            <p:cNvSpPr/>
+            <p:nvPr/>
+          </p:nvSpPr>
+          <p:spPr>
+            <a:xfrm>
+              <a:off x="6096000" y="3374136"/>
+              <a:ext cx="2926080" cy="274320"/>
+            </a:xfrm>
+            <a:prstGeom prst="rect">
+              <a:avLst/>
+            </a:prstGeom>
+            <a:noFill/>
+            <a:ln/>
+          </p:spPr>
+          <p:txBody>
+            <a:bodyPr wrap="square" rtlCol="0" anchor="ctr"/>
+            <a:lstStyle/>
+            <a:p>
+              <a:pPr marL="0" indent="0" algn="ctr">
+                <a:buNone/>
+              </a:pPr>
+              <a:r>
+                <a:rPr lang="en-US" dirty="0">
+                  <a:solidFill>
+                    <a:schemeClr val="dk1"/>
+                  </a:solidFill>
+                </a:rPr>
+                <a:t>Verified</a:t>
+              </a:r>
+            </a:p>
+          </p:txBody>
+        </p:sp>
+        <p:sp>
+          <p:nvSpPr>
+            <p:cNvPr id="27" name="Shape 23">
+              <a:extLst>
+                <a:ext uri="{FF2B5EF4-FFF2-40B4-BE49-F238E27FC236}">
+                  <a16:creationId xmlns:a16="http://schemas.microsoft.com/office/drawing/2014/main" id="{E757D180-73A6-9A90-92DB-8BEB7743FA35}"/>
+                </a:ext>
+              </a:extLst>
+            </p:cNvPr>
+            <p:cNvSpPr/>
+            <p:nvPr/>
+          </p:nvSpPr>
+          <p:spPr>
+            <a:xfrm flipH="1">
+              <a:off x="6001966" y="4867812"/>
+              <a:ext cx="9728" cy="1110549"/>
+            </a:xfrm>
+            <a:prstGeom prst="line">
+              <a:avLst/>
+            </a:prstGeom>
+            <a:noFill/>
+            <a:ln w="31750">
+              <a:solidFill>
+                <a:srgbClr val="EF4444"/>
+              </a:solidFill>
+              <a:prstDash val="solid"/>
+              <a:headEnd type="none"/>
+              <a:tailEnd type="triangle"/>
+            </a:ln>
+          </p:spPr>
+        </p:sp>
+        <p:sp>
+          <p:nvSpPr>
+            <p:cNvPr id="29" name="Text 25">
+              <a:extLst>
+                <a:ext uri="{FF2B5EF4-FFF2-40B4-BE49-F238E27FC236}">
+                  <a16:creationId xmlns:a16="http://schemas.microsoft.com/office/drawing/2014/main" id="{AA7C197E-EC2B-1152-A836-483BB1EDC2E3}"/>
+                </a:ext>
+              </a:extLst>
+            </p:cNvPr>
+            <p:cNvSpPr/>
+            <p:nvPr/>
+          </p:nvSpPr>
+          <p:spPr>
+            <a:xfrm>
+              <a:off x="3639532" y="5199800"/>
+              <a:ext cx="2926080" cy="274320"/>
+            </a:xfrm>
+            <a:prstGeom prst="rect">
+              <a:avLst/>
+            </a:prstGeom>
+            <a:noFill/>
+            <a:ln/>
+          </p:spPr>
+          <p:txBody>
+            <a:bodyPr wrap="square" rtlCol="0" anchor="ctr"/>
+            <a:lstStyle/>
+            <a:p>
+              <a:pPr marL="0" indent="0" algn="ctr">
+                <a:buNone/>
+              </a:pPr>
+              <a:r>
+                <a:rPr lang="en-US" dirty="0">
+                  <a:solidFill>
+                    <a:schemeClr val="dk1"/>
+                  </a:solidFill>
+                </a:rPr>
+                <a:t>Abort and</a:t>
+              </a:r>
+              <a:r>
+                <a:rPr lang="zh-CN" altLang="en-US" dirty="0">
+                  <a:solidFill>
+                    <a:schemeClr val="dk1"/>
+                  </a:solidFill>
+                </a:rPr>
+                <a:t> </a:t>
+              </a:r>
+              <a:r>
+                <a:rPr lang="en-US" altLang="zh-CN" dirty="0">
+                  <a:solidFill>
+                    <a:schemeClr val="dk1"/>
+                  </a:solidFill>
+                </a:rPr>
+                <a:t>Squash</a:t>
+              </a:r>
+              <a:endParaRPr lang="en-US" dirty="0">
+                <a:solidFill>
+                  <a:schemeClr val="dk1"/>
+                </a:solidFill>
+              </a:endParaRPr>
+            </a:p>
+          </p:txBody>
+        </p:sp>
+        <p:sp>
+          <p:nvSpPr>
+            <p:cNvPr id="31" name="Text 27">
+              <a:extLst>
+                <a:ext uri="{FF2B5EF4-FFF2-40B4-BE49-F238E27FC236}">
+                  <a16:creationId xmlns:a16="http://schemas.microsoft.com/office/drawing/2014/main" id="{7F0A4DE0-4E81-C169-84D0-3DD2B91FE5EE}"/>
+                </a:ext>
+              </a:extLst>
+            </p:cNvPr>
+            <p:cNvSpPr/>
+            <p:nvPr/>
+          </p:nvSpPr>
+          <p:spPr>
+            <a:xfrm>
+              <a:off x="6152345" y="6005124"/>
+              <a:ext cx="1243479" cy="320040"/>
+            </a:xfrm>
+            <a:prstGeom prst="rect">
+              <a:avLst/>
+            </a:prstGeom>
+            <a:noFill/>
+            <a:ln/>
+          </p:spPr>
+          <p:txBody>
+            <a:bodyPr wrap="square" rtlCol="0" anchor="ctr"/>
+            <a:lstStyle/>
+            <a:p>
+              <a:pPr marL="0" indent="0">
+                <a:buNone/>
+              </a:pPr>
+              <a:r>
+                <a:rPr lang="en-US" dirty="0">
+                  <a:solidFill>
+                    <a:schemeClr val="dk1"/>
+                  </a:solidFill>
+                </a:rPr>
+                <a:t>End</a:t>
+              </a:r>
+            </a:p>
+          </p:txBody>
+        </p:sp>
+        <p:grpSp>
+          <p:nvGrpSpPr>
+            <p:cNvPr id="55" name="组合 54">
+              <a:extLst>
+                <a:ext uri="{FF2B5EF4-FFF2-40B4-BE49-F238E27FC236}">
+                  <a16:creationId xmlns:a16="http://schemas.microsoft.com/office/drawing/2014/main" id="{E2BD3646-9BEC-2ED0-E03C-D629FE36D71C}"/>
+                </a:ext>
+              </a:extLst>
+            </p:cNvPr>
+            <p:cNvGrpSpPr/>
+            <p:nvPr/>
+          </p:nvGrpSpPr>
+          <p:grpSpPr>
+            <a:xfrm>
+              <a:off x="7270925" y="5201024"/>
+              <a:ext cx="2254841" cy="822960"/>
+              <a:chOff x="8280214" y="5174451"/>
+              <a:chExt cx="2254841" cy="822960"/>
+            </a:xfrm>
+          </p:grpSpPr>
+          <p:sp>
+            <p:nvSpPr>
+              <p:cNvPr id="35" name="Shape 31">
+                <a:extLst>
+                  <a:ext uri="{FF2B5EF4-FFF2-40B4-BE49-F238E27FC236}">
+                    <a16:creationId xmlns:a16="http://schemas.microsoft.com/office/drawing/2014/main" id="{926F4B2B-57A6-8520-0889-64369CF84C91}"/>
+                  </a:ext>
+                </a:extLst>
+              </p:cNvPr>
+              <p:cNvSpPr/>
+              <p:nvPr/>
+            </p:nvSpPr>
+            <p:spPr>
+              <a:xfrm>
+                <a:off x="8280214" y="5314531"/>
+                <a:ext cx="822960" cy="0"/>
+              </a:xfrm>
+              <a:prstGeom prst="line">
+                <a:avLst/>
+              </a:prstGeom>
+              <a:noFill/>
+              <a:ln w="31750">
+                <a:solidFill>
+                  <a:srgbClr val="2563EB"/>
+                </a:solidFill>
+                <a:prstDash val="solid"/>
+                <a:tailEnd type="triangle"/>
+              </a:ln>
+            </p:spPr>
+          </p:sp>
+          <p:sp>
+            <p:nvSpPr>
+              <p:cNvPr id="36" name="Text 32">
+                <a:extLst>
+                  <a:ext uri="{FF2B5EF4-FFF2-40B4-BE49-F238E27FC236}">
+                    <a16:creationId xmlns:a16="http://schemas.microsoft.com/office/drawing/2014/main" id="{480F3952-3515-A043-5A26-E38D186FB100}"/>
+                  </a:ext>
+                </a:extLst>
+              </p:cNvPr>
+              <p:cNvSpPr/>
+              <p:nvPr/>
+            </p:nvSpPr>
+            <p:spPr>
+              <a:xfrm>
+                <a:off x="9148894" y="5174451"/>
+                <a:ext cx="1065148" cy="274320"/>
+              </a:xfrm>
+              <a:prstGeom prst="rect">
+                <a:avLst/>
+              </a:prstGeom>
+              <a:noFill/>
+              <a:ln/>
+            </p:spPr>
+            <p:txBody>
+              <a:bodyPr wrap="square" rtlCol="0" anchor="ctr"/>
+              <a:lstStyle/>
+              <a:p>
+                <a:pPr marL="0" indent="0">
+                  <a:buNone/>
+                </a:pPr>
+                <a:r>
+                  <a:rPr lang="en-US" sz="1400" dirty="0">
+                    <a:solidFill>
+                      <a:schemeClr val="dk1"/>
+                    </a:solidFill>
+                  </a:rPr>
+                  <a:t>Strict Path</a:t>
+                </a:r>
+              </a:p>
+            </p:txBody>
+          </p:sp>
+          <p:sp>
+            <p:nvSpPr>
+              <p:cNvPr id="37" name="Shape 33">
+                <a:extLst>
+                  <a:ext uri="{FF2B5EF4-FFF2-40B4-BE49-F238E27FC236}">
+                    <a16:creationId xmlns:a16="http://schemas.microsoft.com/office/drawing/2014/main" id="{40C19796-45DD-74BE-131F-1773749AD9E1}"/>
+                  </a:ext>
+                </a:extLst>
+              </p:cNvPr>
+              <p:cNvSpPr/>
+              <p:nvPr/>
+            </p:nvSpPr>
+            <p:spPr>
+              <a:xfrm>
+                <a:off x="8280214" y="5588851"/>
+                <a:ext cx="822960" cy="0"/>
+              </a:xfrm>
+              <a:prstGeom prst="line">
+                <a:avLst/>
+              </a:prstGeom>
+              <a:noFill/>
+              <a:ln w="31750">
+                <a:solidFill>
+                  <a:srgbClr val="10B981"/>
+                </a:solidFill>
+                <a:prstDash val="solid"/>
+                <a:tailEnd type="triangle"/>
+              </a:ln>
+            </p:spPr>
+          </p:sp>
+          <p:sp>
+            <p:nvSpPr>
+              <p:cNvPr id="38" name="Text 34">
+                <a:extLst>
+                  <a:ext uri="{FF2B5EF4-FFF2-40B4-BE49-F238E27FC236}">
+                    <a16:creationId xmlns:a16="http://schemas.microsoft.com/office/drawing/2014/main" id="{84C60B2C-BA74-E11D-69D5-01A8D8586637}"/>
+                  </a:ext>
+                </a:extLst>
+              </p:cNvPr>
+              <p:cNvSpPr/>
+              <p:nvPr/>
+            </p:nvSpPr>
+            <p:spPr>
+              <a:xfrm>
+                <a:off x="9148894" y="5448771"/>
+                <a:ext cx="1386161" cy="274320"/>
+              </a:xfrm>
+              <a:prstGeom prst="rect">
+                <a:avLst/>
+              </a:prstGeom>
+              <a:noFill/>
+              <a:ln/>
+            </p:spPr>
+            <p:txBody>
+              <a:bodyPr wrap="square" rtlCol="0" anchor="ctr"/>
+              <a:lstStyle/>
+              <a:p>
+                <a:pPr marL="0" indent="0">
+                  <a:buNone/>
+                </a:pPr>
+                <a:r>
+                  <a:rPr lang="en-US" altLang="zh-CN" sz="1400" dirty="0">
+                    <a:solidFill>
+                      <a:schemeClr val="dk1"/>
+                    </a:solidFill>
+                  </a:rPr>
+                  <a:t>Speculative Path</a:t>
+                </a:r>
+                <a:endParaRPr lang="en-US" sz="1400" dirty="0">
+                  <a:solidFill>
+                    <a:schemeClr val="dk1"/>
+                  </a:solidFill>
+                </a:endParaRPr>
+              </a:p>
+            </p:txBody>
+          </p:sp>
+          <p:sp>
+            <p:nvSpPr>
+              <p:cNvPr id="39" name="Shape 35">
+                <a:extLst>
+                  <a:ext uri="{FF2B5EF4-FFF2-40B4-BE49-F238E27FC236}">
+                    <a16:creationId xmlns:a16="http://schemas.microsoft.com/office/drawing/2014/main" id="{5994F671-3981-FB08-C7B9-FDA6FBE38F27}"/>
+                  </a:ext>
+                </a:extLst>
+              </p:cNvPr>
+              <p:cNvSpPr/>
+              <p:nvPr/>
+            </p:nvSpPr>
+            <p:spPr>
+              <a:xfrm>
+                <a:off x="8280214" y="5863171"/>
+                <a:ext cx="822960" cy="0"/>
+              </a:xfrm>
+              <a:prstGeom prst="line">
+                <a:avLst/>
+              </a:prstGeom>
+              <a:noFill/>
+              <a:ln w="31750">
+                <a:solidFill>
+                  <a:srgbClr val="EF4444"/>
+                </a:solidFill>
+                <a:prstDash val="solid"/>
+                <a:tailEnd type="triangle"/>
+              </a:ln>
+            </p:spPr>
+          </p:sp>
+          <p:sp>
+            <p:nvSpPr>
+              <p:cNvPr id="40" name="Text 36">
+                <a:extLst>
+                  <a:ext uri="{FF2B5EF4-FFF2-40B4-BE49-F238E27FC236}">
+                    <a16:creationId xmlns:a16="http://schemas.microsoft.com/office/drawing/2014/main" id="{A1D4A6B6-584D-F1B5-B47A-337B1FE31152}"/>
+                  </a:ext>
+                </a:extLst>
+              </p:cNvPr>
+              <p:cNvSpPr/>
+              <p:nvPr/>
+            </p:nvSpPr>
+            <p:spPr>
+              <a:xfrm>
+                <a:off x="9148894" y="5723091"/>
+                <a:ext cx="1181880" cy="274320"/>
+              </a:xfrm>
+              <a:prstGeom prst="rect">
+                <a:avLst/>
+              </a:prstGeom>
+              <a:noFill/>
+              <a:ln/>
+            </p:spPr>
+            <p:txBody>
+              <a:bodyPr wrap="square" rtlCol="0" anchor="ctr"/>
+              <a:lstStyle/>
+              <a:p>
+                <a:pPr marL="0" indent="0">
+                  <a:buNone/>
+                </a:pPr>
+                <a:r>
+                  <a:rPr lang="en-US" sz="1400" dirty="0">
+                    <a:solidFill>
+                      <a:schemeClr val="dk1"/>
+                    </a:solidFill>
+                  </a:rPr>
+                  <a:t>Undo actions</a:t>
+                </a:r>
+              </a:p>
+            </p:txBody>
+          </p:sp>
+        </p:grpSp>
+        <p:sp>
+          <p:nvSpPr>
+            <p:cNvPr id="45" name="Shape 26">
+              <a:extLst>
+                <a:ext uri="{FF2B5EF4-FFF2-40B4-BE49-F238E27FC236}">
+                  <a16:creationId xmlns:a16="http://schemas.microsoft.com/office/drawing/2014/main" id="{E63160BE-E00D-188D-6DC3-A94E4038ECD9}"/>
+                </a:ext>
+              </a:extLst>
+            </p:cNvPr>
+            <p:cNvSpPr/>
+            <p:nvPr/>
+          </p:nvSpPr>
+          <p:spPr>
+            <a:xfrm>
+              <a:off x="3461441" y="3458432"/>
+              <a:ext cx="219456" cy="219456"/>
+            </a:xfrm>
+            <a:prstGeom prst="ellipse">
+              <a:avLst/>
+            </a:prstGeom>
+            <a:solidFill>
+              <a:srgbClr val="111827"/>
+            </a:solidFill>
+            <a:ln w="12700">
+              <a:solidFill>
+                <a:srgbClr val="111827"/>
+              </a:solidFill>
+              <a:prstDash val="solid"/>
+            </a:ln>
+          </p:spPr>
+        </p:sp>
+        <p:grpSp>
+          <p:nvGrpSpPr>
+            <p:cNvPr id="54" name="组合 53">
+              <a:extLst>
+                <a:ext uri="{FF2B5EF4-FFF2-40B4-BE49-F238E27FC236}">
+                  <a16:creationId xmlns:a16="http://schemas.microsoft.com/office/drawing/2014/main" id="{0DD100D1-4F8D-DFB4-0374-BC5AA2E18BDE}"/>
+                </a:ext>
+              </a:extLst>
+            </p:cNvPr>
+            <p:cNvGrpSpPr/>
+            <p:nvPr/>
+          </p:nvGrpSpPr>
+          <p:grpSpPr>
+            <a:xfrm>
+              <a:off x="5841440" y="5997411"/>
+              <a:ext cx="324000" cy="324000"/>
+              <a:chOff x="5075801" y="5784370"/>
+              <a:chExt cx="324000" cy="324000"/>
+            </a:xfrm>
+          </p:grpSpPr>
+          <p:sp>
+            <p:nvSpPr>
+              <p:cNvPr id="30" name="Shape 26">
+                <a:extLst>
+                  <a:ext uri="{FF2B5EF4-FFF2-40B4-BE49-F238E27FC236}">
+                    <a16:creationId xmlns:a16="http://schemas.microsoft.com/office/drawing/2014/main" id="{819B690B-885A-3B21-FF0A-87067E791F4B}"/>
+                  </a:ext>
+                </a:extLst>
+              </p:cNvPr>
+              <p:cNvSpPr/>
+              <p:nvPr/>
+            </p:nvSpPr>
+            <p:spPr>
+              <a:xfrm>
+                <a:off x="5128073" y="5840680"/>
+                <a:ext cx="219456" cy="219456"/>
+              </a:xfrm>
+              <a:prstGeom prst="ellipse">
+                <a:avLst/>
+              </a:prstGeom>
+              <a:solidFill>
+                <a:srgbClr val="111827"/>
+              </a:solidFill>
+              <a:ln w="12700">
+                <a:solidFill>
+                  <a:srgbClr val="111827"/>
+                </a:solidFill>
+                <a:prstDash val="solid"/>
+              </a:ln>
+            </p:spPr>
+          </p:sp>
+          <p:sp>
+            <p:nvSpPr>
+              <p:cNvPr id="53" name="椭圆 52">
+                <a:extLst>
+                  <a:ext uri="{FF2B5EF4-FFF2-40B4-BE49-F238E27FC236}">
+                    <a16:creationId xmlns:a16="http://schemas.microsoft.com/office/drawing/2014/main" id="{30C65B19-6BE3-BF1D-AAC8-9F7F79CDA7A0}"/>
+                  </a:ext>
+                </a:extLst>
+              </p:cNvPr>
+              <p:cNvSpPr/>
+              <p:nvPr/>
+            </p:nvSpPr>
+            <p:spPr>
+              <a:xfrm>
+                <a:off x="5075801" y="5784370"/>
+                <a:ext cx="324000" cy="324000"/>
+              </a:xfrm>
+              <a:prstGeom prst="ellipse">
+                <a:avLst/>
+              </a:prstGeom>
+              <a:noFill/>
+            </p:spPr>
+            <p:style>
+              <a:lnRef idx="2">
+                <a:schemeClr val="accent1">
+                  <a:shade val="15000"/>
+                </a:schemeClr>
+              </a:lnRef>
+              <a:fillRef idx="1">
+                <a:schemeClr val="accent1"/>
+              </a:fillRef>
+              <a:effectRef idx="0">
+                <a:schemeClr val="accent1"/>
+              </a:effectRef>
+              <a:fontRef idx="minor">
+                <a:schemeClr val="lt1"/>
+              </a:fontRef>
+            </p:style>
+            <p:txBody>
+              <a:bodyPr rtlCol="0" anchor="ctr"/>
+              <a:lstStyle/>
+              <a:p>
+                <a:pPr algn="ctr"/>
+                <a:endParaRPr lang="zh-CN" altLang="en-US"/>
+              </a:p>
+            </p:txBody>
+          </p:sp>
+        </p:grpSp>
+        <p:sp>
+          <p:nvSpPr>
+            <p:cNvPr id="56" name="Text 27">
+              <a:extLst>
+                <a:ext uri="{FF2B5EF4-FFF2-40B4-BE49-F238E27FC236}">
+                  <a16:creationId xmlns:a16="http://schemas.microsoft.com/office/drawing/2014/main" id="{533F6C28-8F02-F9FF-0A02-5F6B591C44D4}"/>
+                </a:ext>
+              </a:extLst>
+            </p:cNvPr>
+            <p:cNvSpPr/>
+            <p:nvPr/>
+          </p:nvSpPr>
+          <p:spPr>
+            <a:xfrm>
+              <a:off x="2828593" y="3328416"/>
+              <a:ext cx="810939" cy="320040"/>
+            </a:xfrm>
+            <a:prstGeom prst="rect">
+              <a:avLst/>
+            </a:prstGeom>
+            <a:noFill/>
+            <a:ln/>
+          </p:spPr>
+          <p:txBody>
+            <a:bodyPr wrap="square" rtlCol="0" anchor="ctr"/>
+            <a:lstStyle/>
+            <a:p>
+              <a:pPr marL="0" indent="0">
+                <a:buNone/>
+              </a:pPr>
+              <a:r>
+                <a:rPr lang="en-US" dirty="0">
+                  <a:solidFill>
+                    <a:schemeClr val="dk1"/>
+                  </a:solidFill>
+                </a:rPr>
+                <a:t>Start</a:t>
+              </a:r>
+            </a:p>
+          </p:txBody>
+        </p:sp>
+        <p:sp>
+          <p:nvSpPr>
+            <p:cNvPr id="57" name="Text 25">
+              <a:extLst>
+                <a:ext uri="{FF2B5EF4-FFF2-40B4-BE49-F238E27FC236}">
+                  <a16:creationId xmlns:a16="http://schemas.microsoft.com/office/drawing/2014/main" id="{A009D271-873B-A53E-1557-FBDE630F3B6C}"/>
+                </a:ext>
+              </a:extLst>
+            </p:cNvPr>
+            <p:cNvSpPr/>
+            <p:nvPr/>
+          </p:nvSpPr>
+          <p:spPr>
+            <a:xfrm>
+              <a:off x="3350008" y="2710689"/>
+              <a:ext cx="1410272" cy="274320"/>
+            </a:xfrm>
+            <a:prstGeom prst="rect">
+              <a:avLst/>
+            </a:prstGeom>
+            <a:noFill/>
+            <a:ln/>
+          </p:spPr>
+          <p:txBody>
+            <a:bodyPr wrap="square" rtlCol="0" anchor="ctr"/>
+            <a:lstStyle/>
+            <a:p>
+              <a:pPr marL="0" indent="0">
+                <a:buNone/>
+              </a:pPr>
+              <a:r>
+                <a:rPr lang="en-US" dirty="0">
+                  <a:solidFill>
+                    <a:schemeClr val="dk1"/>
+                  </a:solidFill>
+                </a:rPr>
+                <a:t>Strict invoke</a:t>
+              </a:r>
+            </a:p>
+          </p:txBody>
+        </p:sp>
+        <p:sp>
+          <p:nvSpPr>
+            <p:cNvPr id="62" name="Shape 17">
+              <a:extLst>
+                <a:ext uri="{FF2B5EF4-FFF2-40B4-BE49-F238E27FC236}">
+                  <a16:creationId xmlns:a16="http://schemas.microsoft.com/office/drawing/2014/main" id="{444C40B5-D71A-74B4-3853-42B5B0A349FF}"/>
+                </a:ext>
+              </a:extLst>
+            </p:cNvPr>
+            <p:cNvSpPr/>
+            <p:nvPr/>
+          </p:nvSpPr>
+          <p:spPr>
+            <a:xfrm flipH="1">
+              <a:off x="6151754" y="3328416"/>
+              <a:ext cx="2870326" cy="2676708"/>
+            </a:xfrm>
+            <a:prstGeom prst="line">
+              <a:avLst/>
+            </a:prstGeom>
+            <a:noFill/>
+            <a:ln w="31750">
+              <a:solidFill>
+                <a:srgbClr val="2563EB"/>
+              </a:solidFill>
+              <a:prstDash val="solid"/>
+              <a:headEnd type="none"/>
+              <a:tailEnd type="triangle"/>
+            </a:ln>
+          </p:spPr>
+        </p:sp>
+        <p:sp>
+          <p:nvSpPr>
+            <p:cNvPr id="63" name="Text 25">
+              <a:extLst>
+                <a:ext uri="{FF2B5EF4-FFF2-40B4-BE49-F238E27FC236}">
+                  <a16:creationId xmlns:a16="http://schemas.microsoft.com/office/drawing/2014/main" id="{EFA1AF10-26F8-B5F8-D7B0-FFF9F0BA1949}"/>
+                </a:ext>
+              </a:extLst>
+            </p:cNvPr>
+            <p:cNvSpPr/>
+            <p:nvPr/>
+          </p:nvSpPr>
+          <p:spPr>
+            <a:xfrm>
+              <a:off x="2877374" y="4134854"/>
+              <a:ext cx="2926080" cy="274320"/>
+            </a:xfrm>
+            <a:prstGeom prst="rect">
+              <a:avLst/>
+            </a:prstGeom>
+            <a:noFill/>
+            <a:ln/>
+          </p:spPr>
+          <p:txBody>
+            <a:bodyPr wrap="square" rtlCol="0" anchor="ctr"/>
+            <a:lstStyle/>
+            <a:p>
+              <a:pPr marL="0" indent="0" algn="ctr">
+                <a:buNone/>
+              </a:pPr>
+              <a:r>
+                <a:rPr lang="en-US" dirty="0">
+                  <a:solidFill>
+                    <a:schemeClr val="dk1"/>
+                  </a:solidFill>
+                </a:rPr>
+                <a:t>Speculative invoke</a:t>
+              </a:r>
+            </a:p>
+          </p:txBody>
+        </p:sp>
+        <p:sp>
+          <p:nvSpPr>
+            <p:cNvPr id="64" name="Text 22">
+              <a:extLst>
+                <a:ext uri="{FF2B5EF4-FFF2-40B4-BE49-F238E27FC236}">
+                  <a16:creationId xmlns:a16="http://schemas.microsoft.com/office/drawing/2014/main" id="{1BD34F0B-7F1F-6617-C11F-368852BEBBB9}"/>
+                </a:ext>
+              </a:extLst>
+            </p:cNvPr>
+            <p:cNvSpPr/>
+            <p:nvPr/>
+          </p:nvSpPr>
+          <p:spPr>
+            <a:xfrm>
+              <a:off x="6207008" y="2210448"/>
+              <a:ext cx="2926080" cy="274320"/>
+            </a:xfrm>
+            <a:prstGeom prst="rect">
+              <a:avLst/>
+            </a:prstGeom>
+            <a:noFill/>
+            <a:ln/>
+          </p:spPr>
+          <p:txBody>
+            <a:bodyPr wrap="square" rtlCol="0" anchor="ctr"/>
+            <a:lstStyle/>
+            <a:p>
+              <a:pPr marL="0" indent="0" algn="ctr">
+                <a:buNone/>
+              </a:pPr>
+              <a:r>
+                <a:rPr lang="en-US" altLang="zh-CN" dirty="0">
+                  <a:solidFill>
+                    <a:schemeClr val="dk1"/>
+                  </a:solidFill>
+                </a:rPr>
+                <a:t>Commit</a:t>
+              </a:r>
+              <a:endParaRPr lang="en-US" dirty="0">
+                <a:solidFill>
+                  <a:schemeClr val="dk1"/>
+                </a:solidFill>
+              </a:endParaRPr>
+            </a:p>
+          </p:txBody>
+        </p:sp>
+      </p:grpSp>
+      <p:sp>
+        <p:nvSpPr>
+          <p:cNvPr id="2" name="Text 25">
+            <a:extLst>
+              <a:ext uri="{FF2B5EF4-FFF2-40B4-BE49-F238E27FC236}">
+                <a16:creationId xmlns:a16="http://schemas.microsoft.com/office/drawing/2014/main" id="{2BB34BC3-A67A-27E8-FB72-E2D9E004B907}"/>
+              </a:ext>
+            </a:extLst>
+          </p:cNvPr>
+          <p:cNvSpPr/>
+          <p:nvPr/>
+        </p:nvSpPr>
+        <p:spPr>
+          <a:xfrm>
+            <a:off x="7477040" y="4621141"/>
+            <a:ext cx="1386161" cy="268552"/>
+          </a:xfrm>
+          <a:prstGeom prst="rect">
+            <a:avLst/>
+          </a:prstGeom>
+          <a:noFill/>
+          <a:ln/>
+        </p:spPr>
+        <p:txBody>
+          <a:bodyPr wrap="square" rtlCol="0" anchor="ctr"/>
+          <a:lstStyle/>
+          <a:p>
+            <a:pPr marL="0" indent="0" algn="ctr">
+              <a:buNone/>
+            </a:pPr>
+            <a:r>
+              <a:rPr lang="en-US" altLang="zh-CN" dirty="0">
+                <a:solidFill>
+                  <a:schemeClr val="dk1"/>
+                </a:solidFill>
+              </a:rPr>
+              <a:t>Completed</a:t>
+            </a:r>
+            <a:endParaRPr lang="en-US" dirty="0">
+              <a:solidFill>
+                <a:schemeClr val="dk1"/>
+              </a:solidFill>
+            </a:endParaRPr>
+          </a:p>
+        </p:txBody>
+      </p:sp>
+    </p:spTree>
+    <p:extLst>
+      <p:ext uri="{BB962C8B-B14F-4D97-AF65-F5344CB8AC3E}">
+        <p14:creationId xmlns:p14="http://schemas.microsoft.com/office/powerpoint/2010/main" val="262349382"/>
+      </p:ext>
+    </p:extLst>
+  </p:cSld>
+  <p:clrMapOvr>
+    <a:masterClrMapping/>
+  </p:clrMapOvr>
+</p:sld>
+</file>
+
 <file path=ppt/theme/theme1.xml><?xml version="1.0" encoding="utf-8"?>
 <a:theme xmlns:a="http://schemas.openxmlformats.org/drawingml/2006/main" name="WPS">
   <a:themeElements>
@@ -11822,4 +13571,299 @@
     </a:ext>
   </a:extLst>
 </a:theme>
+</file>
+
+<file path=ppt/theme/theme2.xml><?xml version="1.0" encoding="utf-8"?>
+<a:theme xmlns:a="http://schemas.openxmlformats.org/drawingml/2006/main" name="Office 主题​​">
+  <a:themeElements>
+    <a:clrScheme name="Office">
+      <a:dk1>
+        <a:sysClr val="windowText" lastClr="000000"/>
+      </a:dk1>
+      <a:lt1>
+        <a:sysClr val="window" lastClr="FFFFFF"/>
+      </a:lt1>
+      <a:dk2>
+        <a:srgbClr val="44546A"/>
+      </a:dk2>
+      <a:lt2>
+        <a:srgbClr val="E7E6E6"/>
+      </a:lt2>
+      <a:accent1>
+        <a:srgbClr val="4472C4"/>
+      </a:accent1>
+      <a:accent2>
+        <a:srgbClr val="ED7D31"/>
+      </a:accent2>
+      <a:accent3>
+        <a:srgbClr val="A5A5A5"/>
+      </a:accent3>
+      <a:accent4>
+        <a:srgbClr val="FFC000"/>
+      </a:accent4>
+      <a:accent5>
+        <a:srgbClr val="5B9BD5"/>
+      </a:accent5>
+      <a:accent6>
+        <a:srgbClr val="70AD47"/>
+      </a:accent6>
+      <a:hlink>
+        <a:srgbClr val="0563C1"/>
+      </a:hlink>
+      <a:folHlink>
+        <a:srgbClr val="954F72"/>
+      </a:folHlink>
+    </a:clrScheme>
+    <a:fontScheme name="Office">
+      <a:majorFont>
+        <a:latin typeface="等线 Light" panose="020F0302020204030204"/>
+        <a:ea typeface=""/>
+        <a:cs typeface=""/>
+        <a:font script="Jpan" typeface="游ゴシック Light"/>
+        <a:font script="Hang" typeface="맑은 고딕"/>
+        <a:font script="Hans" typeface="等线 Light"/>
+        <a:font script="Hant" typeface="新細明體"/>
+        <a:font script="Arab" typeface="Times New Roman"/>
+        <a:font script="Hebr" typeface="Times New Roman"/>
+        <a:font script="Thai" typeface="Angsana New"/>
+        <a:font script="Ethi" typeface="Nyala"/>
+        <a:font script="Beng" typeface="Vrinda"/>
+        <a:font script="Gujr" typeface="Shruti"/>
+        <a:font script="Khmr" typeface="MoolBoran"/>
+        <a:font script="Knda" typeface="Tunga"/>
+        <a:font script="Guru" typeface="Raavi"/>
+        <a:font script="Cans" typeface="Euphemia"/>
+        <a:font script="Cher" typeface="Plantagenet Cherokee"/>
+        <a:font script="Yiii" typeface="Microsoft Yi Baiti"/>
+        <a:font script="Tibt" typeface="Microsoft Himalaya"/>
+        <a:font script="Thaa" typeface="MV Boli"/>
+        <a:font script="Deva" typeface="Mangal"/>
+        <a:font script="Telu" typeface="Gautami"/>
+        <a:font script="Taml" typeface="Latha"/>
+        <a:font script="Syrc" typeface="Estrangelo Edessa"/>
+        <a:font script="Orya" typeface="Kalinga"/>
+        <a:font script="Mlym" typeface="Kartika"/>
+        <a:font script="Laoo" typeface="DokChampa"/>
+        <a:font script="Sinh" typeface="Iskoola Pota"/>
+        <a:font script="Mong" typeface="Mongolian Baiti"/>
+        <a:font script="Viet" typeface="Times New Roman"/>
+        <a:font script="Uigh" typeface="Microsoft Uighur"/>
+        <a:font script="Geor" typeface="Sylfaen"/>
+        <a:font script="Armn" typeface="Arial"/>
+        <a:font script="Bugi" typeface="Leelawadee UI"/>
+        <a:font script="Bopo" typeface="Microsoft JhengHei"/>
+        <a:font script="Java" typeface="Javanese Text"/>
+        <a:font script="Lisu" typeface="Segoe UI"/>
+        <a:font script="Mymr" typeface="Myanmar Text"/>
+        <a:font script="Nkoo" typeface="Ebrima"/>
+        <a:font script="Olck" typeface="Nirmala UI"/>
+        <a:font script="Osma" typeface="Ebrima"/>
+        <a:font script="Phag" typeface="Phagspa"/>
+        <a:font script="Syrn" typeface="Estrangelo Edessa"/>
+        <a:font script="Syrj" typeface="Estrangelo Edessa"/>
+        <a:font script="Syre" typeface="Estrangelo Edessa"/>
+        <a:font script="Sora" typeface="Nirmala UI"/>
+        <a:font script="Tale" typeface="Microsoft Tai Le"/>
+        <a:font script="Talu" typeface="Microsoft New Tai Lue"/>
+        <a:font script="Tfng" typeface="Ebrima"/>
+      </a:majorFont>
+      <a:minorFont>
+        <a:latin typeface="等线" panose="020F0502020204030204"/>
+        <a:ea typeface=""/>
+        <a:cs typeface=""/>
+        <a:font script="Jpan" typeface="游ゴシック"/>
+        <a:font script="Hang" typeface="맑은 고딕"/>
+        <a:font script="Hans" typeface="等线"/>
+        <a:font script="Hant" typeface="新細明體"/>
+        <a:font script="Arab" typeface="Arial"/>
+        <a:font script="Hebr" typeface="Arial"/>
+        <a:font script="Thai" typeface="Cordia New"/>
+        <a:font script="Ethi" typeface="Nyala"/>
+        <a:font script="Beng" typeface="Vrinda"/>
+        <a:font script="Gujr" typeface="Shruti"/>
+        <a:font script="Khmr" typeface="DaunPenh"/>
+        <a:font script="Knda" typeface="Tunga"/>
+        <a:font script="Guru" typeface="Raavi"/>
+        <a:font script="Cans" typeface="Euphemia"/>
+        <a:font script="Cher" typeface="Plantagenet Cherokee"/>
+        <a:font script="Yiii" typeface="Microsoft Yi Baiti"/>
+        <a:font script="Tibt" typeface="Microsoft Himalaya"/>
+        <a:font script="Thaa" typeface="MV Boli"/>
+        <a:font script="Deva" typeface="Mangal"/>
+        <a:font script="Telu" typeface="Gautami"/>
+        <a:font script="Taml" typeface="Latha"/>
+        <a:font script="Syrc" typeface="Estrangelo Edessa"/>
+        <a:font script="Orya" typeface="Kalinga"/>
+        <a:font script="Mlym" typeface="Kartika"/>
+        <a:font script="Laoo" typeface="DokChampa"/>
+        <a:font script="Sinh" typeface="Iskoola Pota"/>
+        <a:font script="Mong" typeface="Mongolian Baiti"/>
+        <a:font script="Viet" typeface="Arial"/>
+        <a:font script="Uigh" typeface="Microsoft Uighur"/>
+        <a:font script="Geor" typeface="Sylfaen"/>
+        <a:font script="Armn" typeface="Arial"/>
+        <a:font script="Bugi" typeface="Leelawadee UI"/>
+        <a:font script="Bopo" typeface="Microsoft JhengHei"/>
+        <a:font script="Java" typeface="Javanese Text"/>
+        <a:font script="Lisu" typeface="Segoe UI"/>
+        <a:font script="Mymr" typeface="Myanmar Text"/>
+        <a:font script="Nkoo" typeface="Ebrima"/>
+        <a:font script="Olck" typeface="Nirmala UI"/>
+        <a:font script="Osma" typeface="Ebrima"/>
+        <a:font script="Phag" typeface="Phagspa"/>
+        <a:font script="Syrn" typeface="Estrangelo Edessa"/>
+        <a:font script="Syrj" typeface="Estrangelo Edessa"/>
+        <a:font script="Syre" typeface="Estrangelo Edessa"/>
+        <a:font script="Sora" typeface="Nirmala UI"/>
+        <a:font script="Tale" typeface="Microsoft Tai Le"/>
+        <a:font script="Talu" typeface="Microsoft New Tai Lue"/>
+        <a:font script="Tfng" typeface="Ebrima"/>
+      </a:minorFont>
+    </a:fontScheme>
+    <a:fmtScheme name="Office">
+      <a:fillStyleLst>
+        <a:solidFill>
+          <a:schemeClr val="phClr"/>
+        </a:solidFill>
+        <a:gradFill rotWithShape="1">
+          <a:gsLst>
+            <a:gs pos="0">
+              <a:schemeClr val="phClr">
+                <a:lumMod val="110000"/>
+                <a:satMod val="105000"/>
+                <a:tint val="67000"/>
+              </a:schemeClr>
+            </a:gs>
+            <a:gs pos="50000">
+              <a:schemeClr val="phClr">
+                <a:lumMod val="105000"/>
+                <a:satMod val="103000"/>
+                <a:tint val="73000"/>
+              </a:schemeClr>
+            </a:gs>
+            <a:gs pos="100000">
+              <a:schemeClr val="phClr">
+                <a:lumMod val="105000"/>
+                <a:satMod val="109000"/>
+                <a:tint val="81000"/>
+              </a:schemeClr>
+            </a:gs>
+          </a:gsLst>
+          <a:lin ang="5400000" scaled="0"/>
+        </a:gradFill>
+        <a:gradFill rotWithShape="1">
+          <a:gsLst>
+            <a:gs pos="0">
+              <a:schemeClr val="phClr">
+                <a:satMod val="103000"/>
+                <a:lumMod val="102000"/>
+                <a:tint val="94000"/>
+              </a:schemeClr>
+            </a:gs>
+            <a:gs pos="50000">
+              <a:schemeClr val="phClr">
+                <a:satMod val="110000"/>
+                <a:lumMod val="100000"/>
+                <a:shade val="100000"/>
+              </a:schemeClr>
+            </a:gs>
+            <a:gs pos="100000">
+              <a:schemeClr val="phClr">
+                <a:lumMod val="99000"/>
+                <a:satMod val="120000"/>
+                <a:shade val="78000"/>
+              </a:schemeClr>
+            </a:gs>
+          </a:gsLst>
+          <a:lin ang="5400000" scaled="0"/>
+        </a:gradFill>
+      </a:fillStyleLst>
+      <a:lnStyleLst>
+        <a:ln w="6350" cap="flat" cmpd="sng" algn="ctr">
+          <a:solidFill>
+            <a:schemeClr val="phClr"/>
+          </a:solidFill>
+          <a:prstDash val="solid"/>
+          <a:miter lim="800000"/>
+        </a:ln>
+        <a:ln w="12700" cap="flat" cmpd="sng" algn="ctr">
+          <a:solidFill>
+            <a:schemeClr val="phClr"/>
+          </a:solidFill>
+          <a:prstDash val="solid"/>
+          <a:miter lim="800000"/>
+        </a:ln>
+        <a:ln w="19050" cap="flat" cmpd="sng" algn="ctr">
+          <a:solidFill>
+            <a:schemeClr val="phClr"/>
+          </a:solidFill>
+          <a:prstDash val="solid"/>
+          <a:miter lim="800000"/>
+        </a:ln>
+      </a:lnStyleLst>
+      <a:effectStyleLst>
+        <a:effectStyle>
+          <a:effectLst/>
+        </a:effectStyle>
+        <a:effectStyle>
+          <a:effectLst/>
+        </a:effectStyle>
+        <a:effectStyle>
+          <a:effectLst>
+            <a:outerShdw blurRad="57150" dist="19050" dir="5400000" algn="ctr" rotWithShape="0">
+              <a:srgbClr val="000000">
+                <a:alpha val="63000"/>
+              </a:srgbClr>
+            </a:outerShdw>
+          </a:effectLst>
+        </a:effectStyle>
+      </a:effectStyleLst>
+      <a:bgFillStyleLst>
+        <a:solidFill>
+          <a:schemeClr val="phClr"/>
+        </a:solidFill>
+        <a:solidFill>
+          <a:schemeClr val="phClr">
+            <a:tint val="95000"/>
+            <a:satMod val="170000"/>
+          </a:schemeClr>
+        </a:solidFill>
+        <a:gradFill rotWithShape="1">
+          <a:gsLst>
+            <a:gs pos="0">
+              <a:schemeClr val="phClr">
+                <a:tint val="93000"/>
+                <a:satMod val="150000"/>
+                <a:shade val="98000"/>
+                <a:lumMod val="102000"/>
+              </a:schemeClr>
+            </a:gs>
+            <a:gs pos="50000">
+              <a:schemeClr val="phClr">
+                <a:tint val="98000"/>
+                <a:satMod val="130000"/>
+                <a:shade val="90000"/>
+                <a:lumMod val="103000"/>
+              </a:schemeClr>
+            </a:gs>
+            <a:gs pos="100000">
+              <a:schemeClr val="phClr">
+                <a:shade val="63000"/>
+                <a:satMod val="120000"/>
+              </a:schemeClr>
+            </a:gs>
+          </a:gsLst>
+          <a:lin ang="5400000" scaled="0"/>
+        </a:gradFill>
+      </a:bgFillStyleLst>
+    </a:fmtScheme>
+  </a:themeElements>
+  <a:objectDefaults/>
+  <a:extraClrSchemeLst/>
+  <a:extLst>
+    <a:ext uri="{05A4C25C-085E-4340-85A3-A5531E510DB2}">
+      <thm15:themeFamily xmlns:thm15="http://schemas.microsoft.com/office/thememl/2012/main" name="Office Theme" id="{62F939B6-93AF-4DB8-9C6B-D6C7DFDC589F}" vid="{4A3C46E8-61CC-4603-A589-7422A47A8E4A}"/>
+    </a:ext>
+  </a:extLst>
+</a:theme>
 </file>